--- a/4_Presentation/Präsentation Gruppe 2.pptx
+++ b/4_Presentation/Präsentation Gruppe 2.pptx
@@ -5,7 +5,7 @@
     <p:sldMasterId id="2147483675" r:id="rId1"/>
   </p:sldMasterIdLst>
   <p:notesMasterIdLst>
-    <p:notesMasterId r:id="rId16"/>
+    <p:notesMasterId r:id="rId17"/>
   </p:notesMasterIdLst>
   <p:sldIdLst>
     <p:sldId id="256" r:id="rId2"/>
@@ -18,10 +18,11 @@
     <p:sldId id="262" r:id="rId9"/>
     <p:sldId id="263" r:id="rId10"/>
     <p:sldId id="260" r:id="rId11"/>
-    <p:sldId id="264" r:id="rId12"/>
-    <p:sldId id="265" r:id="rId13"/>
-    <p:sldId id="261" r:id="rId14"/>
-    <p:sldId id="267" r:id="rId15"/>
+    <p:sldId id="272" r:id="rId12"/>
+    <p:sldId id="264" r:id="rId13"/>
+    <p:sldId id="265" r:id="rId14"/>
+    <p:sldId id="261" r:id="rId15"/>
+    <p:sldId id="267" r:id="rId16"/>
   </p:sldIdLst>
   <p:sldSz cx="12192000" cy="6858000"/>
   <p:notesSz cx="6858000" cy="9144000"/>
@@ -749,6 +750,144 @@
     <p:extLst>
       <p:ext uri="{BB962C8B-B14F-4D97-AF65-F5344CB8AC3E}">
         <p14:creationId xmlns:p14="http://schemas.microsoft.com/office/powerpoint/2010/main" val="2221692920"/>
+      </p:ext>
+    </p:extLst>
+  </p:cSld>
+  <p:clrMapOvr>
+    <a:masterClrMapping/>
+  </p:clrMapOvr>
+</p:notes>
+</file>
+
+<file path=ppt/notesSlides/notesSlide4.xml><?xml version="1.0" encoding="utf-8"?>
+<p:notes xmlns:a="http://schemas.openxmlformats.org/drawingml/2006/main" xmlns:r="http://schemas.openxmlformats.org/officeDocument/2006/relationships" xmlns:p="http://schemas.openxmlformats.org/presentationml/2006/main">
+  <p:cSld>
+    <p:spTree>
+      <p:nvGrpSpPr>
+        <p:cNvPr id="1" name=""/>
+        <p:cNvGrpSpPr/>
+        <p:nvPr/>
+      </p:nvGrpSpPr>
+      <p:grpSpPr>
+        <a:xfrm>
+          <a:off x="0" y="0"/>
+          <a:ext cx="0" cy="0"/>
+          <a:chOff x="0" y="0"/>
+          <a:chExt cx="0" cy="0"/>
+        </a:xfrm>
+      </p:grpSpPr>
+      <p:sp>
+        <p:nvSpPr>
+          <p:cNvPr id="2" name="Folienbildplatzhalter 1"/>
+          <p:cNvSpPr>
+            <a:spLocks noGrp="1" noRot="1" noChangeAspect="1"/>
+          </p:cNvSpPr>
+          <p:nvPr>
+            <p:ph type="sldImg"/>
+          </p:nvPr>
+        </p:nvSpPr>
+        <p:spPr/>
+      </p:sp>
+      <p:sp>
+        <p:nvSpPr>
+          <p:cNvPr id="3" name="Notizenplatzhalter 2"/>
+          <p:cNvSpPr>
+            <a:spLocks noGrp="1"/>
+          </p:cNvSpPr>
+          <p:nvPr>
+            <p:ph type="body" idx="1"/>
+          </p:nvPr>
+        </p:nvSpPr>
+        <p:spPr/>
+        <p:txBody>
+          <a:bodyPr/>
+          <a:lstStyle/>
+          <a:p>
+            <a:r>
+              <a:rPr lang="de-DE" dirty="0"/>
+              <a:t>Interessant weil Validation </a:t>
+            </a:r>
+            <a:r>
+              <a:rPr lang="de-DE" dirty="0" err="1"/>
+              <a:t>loss</a:t>
+            </a:r>
+            <a:r>
+              <a:rPr lang="de-DE" dirty="0"/>
+              <a:t> geringer ist als Training </a:t>
+            </a:r>
+            <a:r>
+              <a:rPr lang="de-DE" dirty="0">
+                <a:sym typeface="Wingdings" panose="05000000000000000000" pitchFamily="2" charset="2"/>
+              </a:rPr>
+              <a:t> bedeutet, </a:t>
+            </a:r>
+            <a:r>
+              <a:rPr lang="de-DE" dirty="0" err="1">
+                <a:sym typeface="Wingdings" panose="05000000000000000000" pitchFamily="2" charset="2"/>
+              </a:rPr>
+              <a:t>dass</a:t>
+            </a:r>
+            <a:r>
+              <a:rPr lang="de-DE" dirty="0">
+                <a:sym typeface="Wingdings" panose="05000000000000000000" pitchFamily="2" charset="2"/>
+              </a:rPr>
+              <a:t> </a:t>
+            </a:r>
+            <a:r>
+              <a:rPr lang="de-DE" dirty="0" err="1">
+                <a:sym typeface="Wingdings" panose="05000000000000000000" pitchFamily="2" charset="2"/>
+              </a:rPr>
+              <a:t>validation</a:t>
+            </a:r>
+            <a:r>
+              <a:rPr lang="de-DE" dirty="0">
+                <a:sym typeface="Wingdings" panose="05000000000000000000" pitchFamily="2" charset="2"/>
+              </a:rPr>
+              <a:t> </a:t>
+            </a:r>
+            <a:r>
+              <a:rPr lang="de-DE" dirty="0" err="1">
+                <a:sym typeface="Wingdings" panose="05000000000000000000" pitchFamily="2" charset="2"/>
+              </a:rPr>
+              <a:t>datensatz</a:t>
+            </a:r>
+            <a:r>
+              <a:rPr lang="de-DE" dirty="0">
+                <a:sym typeface="Wingdings" panose="05000000000000000000" pitchFamily="2" charset="2"/>
+              </a:rPr>
+              <a:t> besser vorherzusagen ist  repräsentiert damit aber nicht gut die Daten</a:t>
+            </a:r>
+            <a:endParaRPr lang="de-DE" dirty="0"/>
+          </a:p>
+        </p:txBody>
+      </p:sp>
+      <p:sp>
+        <p:nvSpPr>
+          <p:cNvPr id="4" name="Foliennummernplatzhalter 3"/>
+          <p:cNvSpPr>
+            <a:spLocks noGrp="1"/>
+          </p:cNvSpPr>
+          <p:nvPr>
+            <p:ph type="sldNum" sz="quarter" idx="5"/>
+          </p:nvPr>
+        </p:nvSpPr>
+        <p:spPr/>
+        <p:txBody>
+          <a:bodyPr/>
+          <a:lstStyle/>
+          <a:p>
+            <a:fld id="{6620C3BC-38C1-43FE-B962-4441245910D1}" type="slidenum">
+              <a:rPr lang="de-DE" smtClean="0"/>
+              <a:t>12</a:t>
+            </a:fld>
+            <a:endParaRPr lang="de-DE"/>
+          </a:p>
+        </p:txBody>
+      </p:sp>
+    </p:spTree>
+    <p:extLst>
+      <p:ext uri="{BB962C8B-B14F-4D97-AF65-F5344CB8AC3E}">
+        <p14:creationId xmlns:p14="http://schemas.microsoft.com/office/powerpoint/2010/main" val="1849540442"/>
       </p:ext>
     </p:extLst>
   </p:cSld>
@@ -4069,7 +4208,15 @@
           <a:p>
             <a:r>
               <a:rPr lang="de-DE" dirty="0"/>
-              <a:t>Optimierung eines neuronalen Netzes:</a:t>
+              <a:t>Art der </a:t>
+            </a:r>
+            <a:r>
+              <a:rPr lang="de-DE" dirty="0" err="1"/>
+              <a:t>Missing</a:t>
+            </a:r>
+            <a:r>
+              <a:rPr lang="de-DE" dirty="0"/>
+              <a:t> Value Imputation</a:t>
             </a:r>
           </a:p>
         </p:txBody>
@@ -4095,13 +4242,12 @@
           <a:bodyPr/>
           <a:lstStyle/>
           <a:p>
-            <a:pPr marL="514350" indent="-514350">
-              <a:buFont typeface="+mj-lt"/>
-              <a:buAutoNum type="alphaLcParenR"/>
+            <a:pPr marL="0" indent="0">
+              <a:buNone/>
             </a:pPr>
             <a:r>
               <a:rPr lang="de-DE" dirty="0"/>
-              <a:t>Source Code der Definition des neuronalen Netzes</a:t>
+              <a:t>Hotdeck-Methode (auf Ähnlichkeiten)</a:t>
             </a:r>
           </a:p>
           <a:p>
@@ -4110,8 +4256,44 @@
             </a:pPr>
             <a:endParaRPr lang="de-DE" dirty="0"/>
           </a:p>
-        </p:txBody>
-      </p:sp>
+          <a:p>
+            <a:pPr marL="0" indent="0">
+              <a:buNone/>
+            </a:pPr>
+            <a:endParaRPr lang="de-DE" dirty="0"/>
+          </a:p>
+        </p:txBody>
+      </p:sp>
+      <p:pic>
+        <p:nvPicPr>
+          <p:cNvPr id="5" name="Grafik 4">
+            <a:extLst>
+              <a:ext uri="{FF2B5EF4-FFF2-40B4-BE49-F238E27FC236}">
+                <a16:creationId xmlns:a16="http://schemas.microsoft.com/office/drawing/2014/main" id="{963C079B-9965-BC30-E3D2-994FE0A381B2}"/>
+              </a:ext>
+            </a:extLst>
+          </p:cNvPr>
+          <p:cNvPicPr>
+            <a:picLocks noChangeAspect="1"/>
+          </p:cNvPicPr>
+          <p:nvPr/>
+        </p:nvPicPr>
+        <p:blipFill>
+          <a:blip r:embed="rId2"/>
+          <a:stretch>
+            <a:fillRect/>
+          </a:stretch>
+        </p:blipFill>
+        <p:spPr>
+          <a:xfrm>
+            <a:off x="2742930" y="3429000"/>
+            <a:ext cx="6706139" cy="2131486"/>
+          </a:xfrm>
+          <a:prstGeom prst="rect">
+            <a:avLst/>
+          </a:prstGeom>
+        </p:spPr>
+      </p:pic>
     </p:spTree>
     <p:extLst>
       <p:ext uri="{BB962C8B-B14F-4D97-AF65-F5344CB8AC3E}">
@@ -4147,7 +4329,7 @@
           <p:cNvPr id="2" name="Titel 1">
             <a:extLst>
               <a:ext uri="{FF2B5EF4-FFF2-40B4-BE49-F238E27FC236}">
-                <a16:creationId xmlns:a16="http://schemas.microsoft.com/office/drawing/2014/main" id="{925338B6-1A89-75B3-28D9-BB71D0B6E999}"/>
+                <a16:creationId xmlns:a16="http://schemas.microsoft.com/office/drawing/2014/main" id="{449AA396-9602-E702-0794-EE6805DA5BF3}"/>
               </a:ext>
             </a:extLst>
           </p:cNvPr>
@@ -4175,7 +4357,7 @@
           <p:cNvPr id="3" name="Inhaltsplatzhalter 2">
             <a:extLst>
               <a:ext uri="{FF2B5EF4-FFF2-40B4-BE49-F238E27FC236}">
-                <a16:creationId xmlns:a16="http://schemas.microsoft.com/office/drawing/2014/main" id="{92BCCD00-C4DD-B23E-DA10-5A4D725B6C43}"/>
+                <a16:creationId xmlns:a16="http://schemas.microsoft.com/office/drawing/2014/main" id="{40938F1C-74F4-A020-D74F-7D8CE47BE573}"/>
               </a:ext>
             </a:extLst>
           </p:cNvPr>
@@ -4191,27 +4373,80 @@
           <a:bodyPr/>
           <a:lstStyle/>
           <a:p>
-            <a:pPr marL="514350" indent="-514350">
+            <a:pPr marL="342900" indent="-342900">
               <a:buFont typeface="+mj-lt"/>
-              <a:buAutoNum type="alphaLcParenR" startAt="2"/>
+              <a:buAutoNum type="alphaLcParenR"/>
             </a:pPr>
             <a:r>
               <a:rPr lang="de-DE" dirty="0"/>
-              <a:t>Darstellung der Loss-Funktionen für Trainings- und Validierungsdatensatz</a:t>
-            </a:r>
-          </a:p>
-          <a:p>
-            <a:pPr marL="0" indent="0">
-              <a:buNone/>
-            </a:pPr>
-            <a:endParaRPr lang="de-DE" dirty="0"/>
-          </a:p>
-        </p:txBody>
-      </p:sp>
+              <a:t>Source Code zur Definition des neuronalen Netzes</a:t>
+            </a:r>
+          </a:p>
+        </p:txBody>
+      </p:sp>
+      <p:pic>
+        <p:nvPicPr>
+          <p:cNvPr id="5" name="Grafik 4">
+            <a:extLst>
+              <a:ext uri="{FF2B5EF4-FFF2-40B4-BE49-F238E27FC236}">
+                <a16:creationId xmlns:a16="http://schemas.microsoft.com/office/drawing/2014/main" id="{5C0B5474-E9B5-28E3-8686-EFB7987778C1}"/>
+              </a:ext>
+            </a:extLst>
+          </p:cNvPr>
+          <p:cNvPicPr>
+            <a:picLocks noChangeAspect="1"/>
+          </p:cNvPicPr>
+          <p:nvPr/>
+        </p:nvPicPr>
+        <p:blipFill rotWithShape="1">
+          <a:blip r:embed="rId2"/>
+          <a:srcRect l="1332" t="1468" r="-1"/>
+          <a:stretch/>
+        </p:blipFill>
+        <p:spPr>
+          <a:xfrm>
+            <a:off x="7759521" y="3168203"/>
+            <a:ext cx="2098306" cy="3056456"/>
+          </a:xfrm>
+          <a:prstGeom prst="rect">
+            <a:avLst/>
+          </a:prstGeom>
+        </p:spPr>
+      </p:pic>
+      <p:pic>
+        <p:nvPicPr>
+          <p:cNvPr id="13" name="Grafik 12">
+            <a:extLst>
+              <a:ext uri="{FF2B5EF4-FFF2-40B4-BE49-F238E27FC236}">
+                <a16:creationId xmlns:a16="http://schemas.microsoft.com/office/drawing/2014/main" id="{0F330467-F30A-C7DC-4F4F-51AD9B491D7C}"/>
+              </a:ext>
+            </a:extLst>
+          </p:cNvPr>
+          <p:cNvPicPr>
+            <a:picLocks noChangeAspect="1"/>
+          </p:cNvPicPr>
+          <p:nvPr/>
+        </p:nvPicPr>
+        <p:blipFill>
+          <a:blip r:embed="rId3"/>
+          <a:stretch>
+            <a:fillRect/>
+          </a:stretch>
+        </p:blipFill>
+        <p:spPr>
+          <a:xfrm>
+            <a:off x="1687073" y="3727897"/>
+            <a:ext cx="5804198" cy="1759040"/>
+          </a:xfrm>
+          <a:prstGeom prst="rect">
+            <a:avLst/>
+          </a:prstGeom>
+        </p:spPr>
+      </p:pic>
     </p:spTree>
     <p:extLst>
       <p:ext uri="{BB962C8B-B14F-4D97-AF65-F5344CB8AC3E}">
-        <p14:creationId xmlns:p14="http://schemas.microsoft.com/office/powerpoint/2010/main" val="1581731859"/>
+        <p14:creationId xmlns:p14="http://schemas.microsoft.com/office/powerpoint/2010/main" val="319891145"/>
       </p:ext>
     </p:extLst>
   </p:cSld>
@@ -4289,11 +4524,11 @@
           <a:p>
             <a:pPr marL="514350" indent="-514350">
               <a:buFont typeface="+mj-lt"/>
-              <a:buAutoNum type="alphaLcParenR" startAt="3"/>
+              <a:buAutoNum type="alphaLcParenR" startAt="2"/>
             </a:pPr>
             <a:r>
               <a:rPr lang="de-DE" dirty="0"/>
-              <a:t>MAPE je Warengruppe für den Zeitraum vom 1.8.2018 bis 30.7.2019</a:t>
+              <a:t>Darstellung der Loss-Funktionen für Trainings- und Validierungsdatensatz</a:t>
             </a:r>
           </a:p>
           <a:p>
@@ -4304,6 +4539,212 @@
           </a:p>
         </p:txBody>
       </p:sp>
+      <p:pic>
+        <p:nvPicPr>
+          <p:cNvPr id="5" name="Grafik 4">
+            <a:extLst>
+              <a:ext uri="{FF2B5EF4-FFF2-40B4-BE49-F238E27FC236}">
+                <a16:creationId xmlns:a16="http://schemas.microsoft.com/office/drawing/2014/main" id="{47027535-3ECB-498F-BB0B-823E95B453DB}"/>
+              </a:ext>
+            </a:extLst>
+          </p:cNvPr>
+          <p:cNvPicPr>
+            <a:picLocks noChangeAspect="1"/>
+          </p:cNvPicPr>
+          <p:nvPr/>
+        </p:nvPicPr>
+        <p:blipFill>
+          <a:blip r:embed="rId3"/>
+          <a:stretch>
+            <a:fillRect/>
+          </a:stretch>
+        </p:blipFill>
+        <p:spPr>
+          <a:xfrm>
+            <a:off x="3077172" y="3069844"/>
+            <a:ext cx="6037656" cy="3221394"/>
+          </a:xfrm>
+          <a:prstGeom prst="rect">
+            <a:avLst/>
+          </a:prstGeom>
+        </p:spPr>
+      </p:pic>
+    </p:spTree>
+    <p:extLst>
+      <p:ext uri="{BB962C8B-B14F-4D97-AF65-F5344CB8AC3E}">
+        <p14:creationId xmlns:p14="http://schemas.microsoft.com/office/powerpoint/2010/main" val="1581731859"/>
+      </p:ext>
+    </p:extLst>
+  </p:cSld>
+  <p:clrMapOvr>
+    <a:masterClrMapping/>
+  </p:clrMapOvr>
+</p:sld>
+</file>
+
+<file path=ppt/slides/slide13.xml><?xml version="1.0" encoding="utf-8"?>
+<p:sld xmlns:a="http://schemas.openxmlformats.org/drawingml/2006/main" xmlns:r="http://schemas.openxmlformats.org/officeDocument/2006/relationships" xmlns:p="http://schemas.openxmlformats.org/presentationml/2006/main">
+  <p:cSld>
+    <p:spTree>
+      <p:nvGrpSpPr>
+        <p:cNvPr id="1" name=""/>
+        <p:cNvGrpSpPr/>
+        <p:nvPr/>
+      </p:nvGrpSpPr>
+      <p:grpSpPr>
+        <a:xfrm>
+          <a:off x="0" y="0"/>
+          <a:ext cx="0" cy="0"/>
+          <a:chOff x="0" y="0"/>
+          <a:chExt cx="0" cy="0"/>
+        </a:xfrm>
+      </p:grpSpPr>
+      <p:sp>
+        <p:nvSpPr>
+          <p:cNvPr id="2" name="Titel 1">
+            <a:extLst>
+              <a:ext uri="{FF2B5EF4-FFF2-40B4-BE49-F238E27FC236}">
+                <a16:creationId xmlns:a16="http://schemas.microsoft.com/office/drawing/2014/main" id="{925338B6-1A89-75B3-28D9-BB71D0B6E999}"/>
+              </a:ext>
+            </a:extLst>
+          </p:cNvPr>
+          <p:cNvSpPr>
+            <a:spLocks noGrp="1"/>
+          </p:cNvSpPr>
+          <p:nvPr>
+            <p:ph type="title"/>
+          </p:nvPr>
+        </p:nvSpPr>
+        <p:spPr/>
+        <p:txBody>
+          <a:bodyPr/>
+          <a:lstStyle/>
+          <a:p>
+            <a:r>
+              <a:rPr lang="de-DE" dirty="0"/>
+              <a:t>Optimierung eines neuronalen Netzes:</a:t>
+            </a:r>
+          </a:p>
+        </p:txBody>
+      </p:sp>
+      <p:sp>
+        <p:nvSpPr>
+          <p:cNvPr id="3" name="Inhaltsplatzhalter 2">
+            <a:extLst>
+              <a:ext uri="{FF2B5EF4-FFF2-40B4-BE49-F238E27FC236}">
+                <a16:creationId xmlns:a16="http://schemas.microsoft.com/office/drawing/2014/main" id="{92BCCD00-C4DD-B23E-DA10-5A4D725B6C43}"/>
+              </a:ext>
+            </a:extLst>
+          </p:cNvPr>
+          <p:cNvSpPr>
+            <a:spLocks noGrp="1"/>
+          </p:cNvSpPr>
+          <p:nvPr>
+            <p:ph idx="1"/>
+          </p:nvPr>
+        </p:nvSpPr>
+        <p:spPr/>
+        <p:txBody>
+          <a:bodyPr/>
+          <a:lstStyle/>
+          <a:p>
+            <a:pPr marL="514350" indent="-514350">
+              <a:buFont typeface="+mj-lt"/>
+              <a:buAutoNum type="alphaLcParenR" startAt="3"/>
+            </a:pPr>
+            <a:r>
+              <a:rPr lang="de-DE" dirty="0"/>
+              <a:t>MAPE für Validierungsdatensatz insgesamt</a:t>
+            </a:r>
+          </a:p>
+          <a:p>
+            <a:pPr marL="0" indent="0">
+              <a:buNone/>
+            </a:pPr>
+            <a:endParaRPr lang="de-DE" dirty="0"/>
+          </a:p>
+          <a:p>
+            <a:pPr marL="514350" indent="-514350">
+              <a:buFont typeface="+mj-lt"/>
+              <a:buAutoNum type="alphaLcParenR" startAt="3"/>
+            </a:pPr>
+            <a:endParaRPr lang="de-DE" dirty="0"/>
+          </a:p>
+          <a:p>
+            <a:pPr marL="514350" indent="-514350">
+              <a:buFont typeface="+mj-lt"/>
+              <a:buAutoNum type="alphaLcParenR" startAt="3"/>
+            </a:pPr>
+            <a:endParaRPr lang="de-DE" dirty="0"/>
+          </a:p>
+          <a:p>
+            <a:pPr marL="0" indent="0">
+              <a:buNone/>
+            </a:pPr>
+            <a:endParaRPr lang="de-DE" dirty="0"/>
+          </a:p>
+        </p:txBody>
+      </p:sp>
+      <p:pic>
+        <p:nvPicPr>
+          <p:cNvPr id="5" name="Grafik 4">
+            <a:extLst>
+              <a:ext uri="{FF2B5EF4-FFF2-40B4-BE49-F238E27FC236}">
+                <a16:creationId xmlns:a16="http://schemas.microsoft.com/office/drawing/2014/main" id="{9D3B268D-38E9-9046-CE35-694BA0D7A002}"/>
+              </a:ext>
+            </a:extLst>
+          </p:cNvPr>
+          <p:cNvPicPr>
+            <a:picLocks noChangeAspect="1"/>
+          </p:cNvPicPr>
+          <p:nvPr/>
+        </p:nvPicPr>
+        <p:blipFill>
+          <a:blip r:embed="rId2"/>
+          <a:stretch>
+            <a:fillRect/>
+          </a:stretch>
+        </p:blipFill>
+        <p:spPr>
+          <a:xfrm>
+            <a:off x="3034200" y="3057116"/>
+            <a:ext cx="3927983" cy="323587"/>
+          </a:xfrm>
+          <a:prstGeom prst="rect">
+            <a:avLst/>
+          </a:prstGeom>
+        </p:spPr>
+      </p:pic>
+      <p:pic>
+        <p:nvPicPr>
+          <p:cNvPr id="7" name="Grafik 6">
+            <a:extLst>
+              <a:ext uri="{FF2B5EF4-FFF2-40B4-BE49-F238E27FC236}">
+                <a16:creationId xmlns:a16="http://schemas.microsoft.com/office/drawing/2014/main" id="{C689BA97-F78A-CFD6-CF2C-87F3923862E7}"/>
+              </a:ext>
+            </a:extLst>
+          </p:cNvPr>
+          <p:cNvPicPr>
+            <a:picLocks noChangeAspect="1"/>
+          </p:cNvPicPr>
+          <p:nvPr/>
+        </p:nvPicPr>
+        <p:blipFill>
+          <a:blip r:embed="rId3"/>
+          <a:stretch>
+            <a:fillRect/>
+          </a:stretch>
+        </p:blipFill>
+        <p:spPr>
+          <a:xfrm>
+            <a:off x="7373634" y="3057116"/>
+            <a:ext cx="1879837" cy="1777202"/>
+          </a:xfrm>
+          <a:prstGeom prst="rect">
+            <a:avLst/>
+          </a:prstGeom>
+        </p:spPr>
+      </p:pic>
     </p:spTree>
     <p:extLst>
       <p:ext uri="{BB962C8B-B14F-4D97-AF65-F5344CB8AC3E}">
@@ -4317,7 +4758,7 @@
 </p:sld>
 </file>
 
-<file path=ppt/slides/slide13.xml><?xml version="1.0" encoding="utf-8"?>
+<file path=ppt/slides/slide14.xml><?xml version="1.0" encoding="utf-8"?>
 <p:sld xmlns:a="http://schemas.openxmlformats.org/drawingml/2006/main" xmlns:r="http://schemas.openxmlformats.org/officeDocument/2006/relationships" xmlns:p="http://schemas.openxmlformats.org/presentationml/2006/main">
   <p:cSld>
     <p:spTree>
@@ -5482,7 +5923,7 @@
 </p:sld>
 </file>
 
-<file path=ppt/slides/slide14.xml><?xml version="1.0" encoding="utf-8"?>
+<file path=ppt/slides/slide15.xml><?xml version="1.0" encoding="utf-8"?>
 <p:sld xmlns:a="http://schemas.openxmlformats.org/drawingml/2006/main" xmlns:r="http://schemas.openxmlformats.org/officeDocument/2006/relationships" xmlns:p="http://schemas.openxmlformats.org/presentationml/2006/main">
   <p:cSld>
     <p:spTree>
@@ -7391,9 +7832,16 @@
             <p:ph idx="1"/>
           </p:nvPr>
         </p:nvSpPr>
-        <p:spPr/>
-        <p:txBody>
-          <a:bodyPr/>
+        <p:spPr>
+          <a:xfrm>
+            <a:off x="596721" y="2638044"/>
+            <a:ext cx="10998558" cy="3101983"/>
+          </a:xfrm>
+        </p:spPr>
+        <p:txBody>
+          <a:bodyPr>
+            <a:normAutofit lnSpcReduction="10000"/>
+          </a:bodyPr>
           <a:lstStyle/>
           <a:p>
             <a:pPr marL="514350" indent="-514350">
@@ -7405,44 +7853,149 @@
               <a:t> Modellgleichung:</a:t>
             </a:r>
           </a:p>
-        </p:txBody>
-      </p:sp>
-      <p:pic>
-        <p:nvPicPr>
-          <p:cNvPr id="5" name="Grafik 4">
-            <a:extLst>
-              <a:ext uri="{FF2B5EF4-FFF2-40B4-BE49-F238E27FC236}">
-                <a16:creationId xmlns:a16="http://schemas.microsoft.com/office/drawing/2014/main" id="{9523D6F7-A565-35A9-2EF7-5EC21CE8E8A2}"/>
-              </a:ext>
-            </a:extLst>
-          </p:cNvPr>
-          <p:cNvPicPr>
-            <a:picLocks noChangeAspect="1"/>
-          </p:cNvPicPr>
-          <p:nvPr/>
-        </p:nvPicPr>
-        <p:blipFill>
-          <a:blip r:embed="rId2">
-            <a:extLst>
-              <a:ext uri="{28A0092B-C50C-407E-A947-70E740481C1C}">
-                <a14:useLocalDpi xmlns:a14="http://schemas.microsoft.com/office/drawing/2010/main" val="0"/>
-              </a:ext>
-            </a:extLst>
-          </a:blip>
-          <a:stretch>
-            <a:fillRect/>
-          </a:stretch>
-        </p:blipFill>
-        <p:spPr>
-          <a:xfrm>
-            <a:off x="889861" y="3075586"/>
-            <a:ext cx="10412278" cy="3258005"/>
-          </a:xfrm>
-          <a:prstGeom prst="rect">
-            <a:avLst/>
-          </a:prstGeom>
-        </p:spPr>
-      </p:pic>
+          <a:p>
+            <a:pPr marL="0" indent="0">
+              <a:buNone/>
+            </a:pPr>
+            <a:r>
+              <a:rPr lang="de-DE" altLang="de-DE" dirty="0"/>
+              <a:t>Modellgleichung: Umsatz ~ </a:t>
+            </a:r>
+            <a:r>
+              <a:rPr lang="de-DE" altLang="de-DE" dirty="0" err="1"/>
+              <a:t>as.factor</a:t>
+            </a:r>
+            <a:r>
+              <a:rPr lang="de-DE" altLang="de-DE" dirty="0"/>
+              <a:t>(Warengruppe) + </a:t>
+            </a:r>
+            <a:r>
+              <a:rPr lang="de-DE" altLang="de-DE" dirty="0" err="1"/>
+              <a:t>as.factor</a:t>
+            </a:r>
+            <a:r>
+              <a:rPr lang="de-DE" altLang="de-DE" dirty="0"/>
+              <a:t>(</a:t>
+            </a:r>
+            <a:r>
+              <a:rPr lang="de-DE" altLang="de-DE" dirty="0" err="1"/>
+              <a:t>wochentag</a:t>
+            </a:r>
+            <a:r>
+              <a:rPr lang="de-DE" altLang="de-DE" dirty="0"/>
+              <a:t>) + Temperatur + </a:t>
+            </a:r>
+            <a:r>
+              <a:rPr lang="de-DE" altLang="de-DE" dirty="0" err="1"/>
+              <a:t>jahreszeit</a:t>
+            </a:r>
+            <a:r>
+              <a:rPr lang="de-DE" altLang="de-DE" dirty="0"/>
+              <a:t> + Feiertag + Ferien </a:t>
+            </a:r>
+          </a:p>
+          <a:p>
+            <a:pPr marL="0" indent="0">
+              <a:buNone/>
+            </a:pPr>
+            <a:endParaRPr lang="de-DE" dirty="0"/>
+          </a:p>
+          <a:p>
+            <a:pPr marL="0" indent="0">
+              <a:buNone/>
+            </a:pPr>
+            <a:r>
+              <a:rPr lang="de-DE" dirty="0"/>
+              <a:t>Umsatz = 63.79 + 295.21 * (Warengruppe)2 * 44.20 * (Warengruppe)3 + -32.52 * (Warengruppe)4 + 162.78 * (Warengruppe)5 + -28.34 * (Warengruppe)6 + 3.88 * (</a:t>
+            </a:r>
+            <a:r>
+              <a:rPr lang="de-DE" dirty="0" err="1"/>
+              <a:t>wochentag</a:t>
+            </a:r>
+            <a:r>
+              <a:rPr lang="de-DE" dirty="0"/>
+              <a:t>)Donnerstag + 7.07 * (</a:t>
+            </a:r>
+            <a:r>
+              <a:rPr lang="de-DE" dirty="0" err="1"/>
+              <a:t>wochentag</a:t>
+            </a:r>
+            <a:r>
+              <a:rPr lang="de-DE" dirty="0"/>
+              <a:t>)Freitag + 0.77 * (</a:t>
+            </a:r>
+            <a:r>
+              <a:rPr lang="de-DE" dirty="0" err="1"/>
+              <a:t>wochentag</a:t>
+            </a:r>
+            <a:r>
+              <a:rPr lang="de-DE" dirty="0"/>
+              <a:t>)Mittwoch + 2.36 * (</a:t>
+            </a:r>
+            <a:r>
+              <a:rPr lang="de-DE" dirty="0" err="1"/>
+              <a:t>wochentag</a:t>
+            </a:r>
+            <a:r>
+              <a:rPr lang="de-DE" dirty="0"/>
+              <a:t>)Montag + 52.97 * (</a:t>
+            </a:r>
+            <a:r>
+              <a:rPr lang="de-DE" dirty="0" err="1"/>
+              <a:t>wochentag</a:t>
+            </a:r>
+            <a:r>
+              <a:rPr lang="de-DE" dirty="0"/>
+              <a:t>)Samstag + 59.26 * (</a:t>
+            </a:r>
+            <a:r>
+              <a:rPr lang="de-DE" dirty="0" err="1"/>
+              <a:t>wochentag</a:t>
+            </a:r>
+            <a:r>
+              <a:rPr lang="de-DE" dirty="0"/>
+              <a:t>)Sonntag + 56.65 * Temperaturheiß + 5.47 * Temperaturkalt + 24.42 * Temperaturmoderat + 28.91 * Temperatursommerlich + 2.12 * </a:t>
+            </a:r>
+            <a:r>
+              <a:rPr lang="de-DE" dirty="0" err="1"/>
+              <a:t>jahreszeitHerbst</a:t>
+            </a:r>
+            <a:r>
+              <a:rPr lang="de-DE" dirty="0"/>
+              <a:t> + 49.77 * </a:t>
+            </a:r>
+            <a:r>
+              <a:rPr lang="de-DE" dirty="0" err="1"/>
+              <a:t>jahreszeitSommer</a:t>
+            </a:r>
+            <a:r>
+              <a:rPr lang="de-DE" dirty="0"/>
+              <a:t> + -0.87 * </a:t>
+            </a:r>
+            <a:r>
+              <a:rPr lang="de-DE" dirty="0" err="1"/>
+              <a:t>jahreszeitWinter</a:t>
+            </a:r>
+            <a:r>
+              <a:rPr lang="de-DE" dirty="0"/>
+              <a:t> + 99.92 * </a:t>
+            </a:r>
+            <a:r>
+              <a:rPr lang="de-DE" dirty="0" err="1"/>
+              <a:t>FeiertagTRUE</a:t>
+            </a:r>
+            <a:r>
+              <a:rPr lang="de-DE" dirty="0"/>
+              <a:t> + 36,19 * </a:t>
+            </a:r>
+            <a:r>
+              <a:rPr lang="de-DE" dirty="0" err="1"/>
+              <a:t>FerienTRUE</a:t>
+            </a:r>
+            <a:endParaRPr lang="de-DE" dirty="0"/>
+          </a:p>
+        </p:txBody>
+      </p:sp>
     </p:spTree>
     <p:extLst>
       <p:ext uri="{BB962C8B-B14F-4D97-AF65-F5344CB8AC3E}">
@@ -7556,7 +8109,7 @@
           <p:nvPr>
             <p:extLst>
               <p:ext uri="{D42A27DB-BD31-4B8C-83A1-F6EECF244321}">
-                <p14:modId xmlns:p14="http://schemas.microsoft.com/office/powerpoint/2010/main" val="882769948"/>
+                <p14:modId xmlns:p14="http://schemas.microsoft.com/office/powerpoint/2010/main" val="2997933198"/>
               </p:ext>
             </p:extLst>
           </p:nvPr>
@@ -7656,7 +8209,17 @@
                       </a:r>
                     </a:p>
                   </a:txBody>
-                  <a:tcPr/>
+                  <a:tcPr>
+                    <a:lnB w="12700" cap="flat" cmpd="sng" algn="ctr">
+                      <a:solidFill>
+                        <a:schemeClr val="tx1"/>
+                      </a:solidFill>
+                      <a:prstDash val="solid"/>
+                      <a:round/>
+                      <a:headEnd type="none" w="med" len="med"/>
+                      <a:tailEnd type="none" w="med" len="med"/>
+                    </a:lnB>
+                  </a:tcPr>
                 </a:tc>
                 <a:tc>
                   <a:txBody>
@@ -7685,7 +8248,17 @@
                       </a:r>
                     </a:p>
                   </a:txBody>
-                  <a:tcPr/>
+                  <a:tcPr>
+                    <a:lnB w="12700" cap="flat" cmpd="sng" algn="ctr">
+                      <a:solidFill>
+                        <a:schemeClr val="tx1"/>
+                      </a:solidFill>
+                      <a:prstDash val="solid"/>
+                      <a:round/>
+                      <a:headEnd type="none" w="med" len="med"/>
+                      <a:tailEnd type="none" w="med" len="med"/>
+                    </a:lnB>
+                  </a:tcPr>
                 </a:tc>
                 <a:tc>
                   <a:txBody>
@@ -7698,7 +8271,17 @@
                       </a:r>
                     </a:p>
                   </a:txBody>
-                  <a:tcPr/>
+                  <a:tcPr>
+                    <a:lnB w="12700" cap="flat" cmpd="sng" algn="ctr">
+                      <a:solidFill>
+                        <a:schemeClr val="tx1"/>
+                      </a:solidFill>
+                      <a:prstDash val="solid"/>
+                      <a:round/>
+                      <a:headEnd type="none" w="med" len="med"/>
+                      <a:tailEnd type="none" w="med" len="med"/>
+                    </a:lnB>
+                  </a:tcPr>
                 </a:tc>
                 <a:extLst>
                   <a:ext uri="{0D108BD9-81ED-4DB2-BD59-A6C34878D82A}">
@@ -7718,7 +8301,35 @@
                       </a:r>
                     </a:p>
                   </a:txBody>
-                  <a:tcPr/>
+                  <a:tcPr>
+                    <a:lnL w="12700" cap="flat" cmpd="sng" algn="ctr">
+                      <a:solidFill>
+                        <a:schemeClr val="tx1"/>
+                      </a:solidFill>
+                      <a:prstDash val="solid"/>
+                      <a:round/>
+                      <a:headEnd type="none" w="med" len="med"/>
+                      <a:tailEnd type="none" w="med" len="med"/>
+                    </a:lnL>
+                    <a:lnT w="12700" cap="flat" cmpd="sng" algn="ctr">
+                      <a:solidFill>
+                        <a:schemeClr val="tx1"/>
+                      </a:solidFill>
+                      <a:prstDash val="solid"/>
+                      <a:round/>
+                      <a:headEnd type="none" w="med" len="med"/>
+                      <a:tailEnd type="none" w="med" len="med"/>
+                    </a:lnT>
+                    <a:lnB w="12700" cap="flat" cmpd="sng" algn="ctr">
+                      <a:solidFill>
+                        <a:schemeClr val="tx1"/>
+                      </a:solidFill>
+                      <a:prstDash val="solid"/>
+                      <a:round/>
+                      <a:headEnd type="none" w="med" len="med"/>
+                      <a:tailEnd type="none" w="med" len="med"/>
+                    </a:lnB>
+                  </a:tcPr>
                 </a:tc>
                 <a:tc>
                   <a:txBody>
@@ -7771,7 +8382,26 @@
                       </a:r>
                     </a:p>
                   </a:txBody>
-                  <a:tcPr/>
+                  <a:tcPr>
+                    <a:lnT w="12700" cap="flat" cmpd="sng" algn="ctr">
+                      <a:solidFill>
+                        <a:schemeClr val="tx1"/>
+                      </a:solidFill>
+                      <a:prstDash val="solid"/>
+                      <a:round/>
+                      <a:headEnd type="none" w="med" len="med"/>
+                      <a:tailEnd type="none" w="med" len="med"/>
+                    </a:lnT>
+                    <a:lnB w="12700" cap="flat" cmpd="sng" algn="ctr">
+                      <a:solidFill>
+                        <a:schemeClr val="tx1"/>
+                      </a:solidFill>
+                      <a:prstDash val="solid"/>
+                      <a:round/>
+                      <a:headEnd type="none" w="med" len="med"/>
+                      <a:tailEnd type="none" w="med" len="med"/>
+                    </a:lnB>
+                  </a:tcPr>
                 </a:tc>
                 <a:tc>
                   <a:txBody>
@@ -7784,7 +8414,35 @@
                       </a:r>
                     </a:p>
                   </a:txBody>
-                  <a:tcPr/>
+                  <a:tcPr>
+                    <a:lnR w="12700" cap="flat" cmpd="sng" algn="ctr">
+                      <a:solidFill>
+                        <a:schemeClr val="tx1"/>
+                      </a:solidFill>
+                      <a:prstDash val="solid"/>
+                      <a:round/>
+                      <a:headEnd type="none" w="med" len="med"/>
+                      <a:tailEnd type="none" w="med" len="med"/>
+                    </a:lnR>
+                    <a:lnT w="12700" cap="flat" cmpd="sng" algn="ctr">
+                      <a:solidFill>
+                        <a:schemeClr val="tx1"/>
+                      </a:solidFill>
+                      <a:prstDash val="solid"/>
+                      <a:round/>
+                      <a:headEnd type="none" w="med" len="med"/>
+                      <a:tailEnd type="none" w="med" len="med"/>
+                    </a:lnT>
+                    <a:lnB w="12700" cap="flat" cmpd="sng" algn="ctr">
+                      <a:solidFill>
+                        <a:schemeClr val="tx1"/>
+                      </a:solidFill>
+                      <a:prstDash val="solid"/>
+                      <a:round/>
+                      <a:headEnd type="none" w="med" len="med"/>
+                      <a:tailEnd type="none" w="med" len="med"/>
+                    </a:lnB>
+                  </a:tcPr>
                 </a:tc>
                 <a:extLst>
                   <a:ext uri="{0D108BD9-81ED-4DB2-BD59-A6C34878D82A}">
@@ -7804,7 +8462,17 @@
                       </a:r>
                     </a:p>
                   </a:txBody>
-                  <a:tcPr/>
+                  <a:tcPr>
+                    <a:lnT w="12700" cap="flat" cmpd="sng" algn="ctr">
+                      <a:solidFill>
+                        <a:schemeClr val="tx1"/>
+                      </a:solidFill>
+                      <a:prstDash val="solid"/>
+                      <a:round/>
+                      <a:headEnd type="none" w="med" len="med"/>
+                      <a:tailEnd type="none" w="med" len="med"/>
+                    </a:lnT>
+                  </a:tcPr>
                 </a:tc>
                 <a:tc>
                   <a:txBody>
@@ -7882,7 +8550,17 @@
                       </a:r>
                     </a:p>
                   </a:txBody>
-                  <a:tcPr/>
+                  <a:tcPr>
+                    <a:lnT w="12700" cap="flat" cmpd="sng" algn="ctr">
+                      <a:solidFill>
+                        <a:schemeClr val="tx1"/>
+                      </a:solidFill>
+                      <a:prstDash val="solid"/>
+                      <a:round/>
+                      <a:headEnd type="none" w="med" len="med"/>
+                      <a:tailEnd type="none" w="med" len="med"/>
+                    </a:lnT>
+                  </a:tcPr>
                 </a:tc>
                 <a:tc>
                   <a:txBody>
@@ -7895,7 +8573,17 @@
                       </a:r>
                     </a:p>
                   </a:txBody>
-                  <a:tcPr/>
+                  <a:tcPr>
+                    <a:lnT w="12700" cap="flat" cmpd="sng" algn="ctr">
+                      <a:solidFill>
+                        <a:schemeClr val="tx1"/>
+                      </a:solidFill>
+                      <a:prstDash val="solid"/>
+                      <a:round/>
+                      <a:headEnd type="none" w="med" len="med"/>
+                      <a:tailEnd type="none" w="med" len="med"/>
+                    </a:lnT>
+                  </a:tcPr>
                 </a:tc>
                 <a:extLst>
                   <a:ext uri="{0D108BD9-81ED-4DB2-BD59-A6C34878D82A}">
@@ -7992,11 +8680,41 @@
             </a:pPr>
             <a:r>
               <a:rPr lang="de-DE" dirty="0"/>
-              <a:t> MAPE für den Zeitraum vom 1.8.2018 bis 30.7.2019:</a:t>
-            </a:r>
-          </a:p>
-        </p:txBody>
-      </p:sp>
+              <a:t> MAPE für den Zeitraum vom 23.01.2018 – 31.07.2018 (statt 1.8.2018 bis 30.7.2019):</a:t>
+            </a:r>
+          </a:p>
+        </p:txBody>
+      </p:sp>
+      <p:pic>
+        <p:nvPicPr>
+          <p:cNvPr id="5" name="Grafik 4">
+            <a:extLst>
+              <a:ext uri="{FF2B5EF4-FFF2-40B4-BE49-F238E27FC236}">
+                <a16:creationId xmlns:a16="http://schemas.microsoft.com/office/drawing/2014/main" id="{1A560285-40E0-718A-1837-B87564E43BCF}"/>
+              </a:ext>
+            </a:extLst>
+          </p:cNvPr>
+          <p:cNvPicPr>
+            <a:picLocks noChangeAspect="1"/>
+          </p:cNvPicPr>
+          <p:nvPr/>
+        </p:nvPicPr>
+        <p:blipFill>
+          <a:blip r:embed="rId2"/>
+          <a:stretch>
+            <a:fillRect/>
+          </a:stretch>
+        </p:blipFill>
+        <p:spPr>
+          <a:xfrm>
+            <a:off x="3851159" y="3821782"/>
+            <a:ext cx="4489681" cy="914447"/>
+          </a:xfrm>
+          <a:prstGeom prst="rect">
+            <a:avLst/>
+          </a:prstGeom>
+        </p:spPr>
+      </p:pic>
     </p:spTree>
     <p:extLst>
       <p:ext uri="{BB962C8B-B14F-4D97-AF65-F5344CB8AC3E}">

--- a/4_Presentation/Präsentation Gruppe 2.pptx
+++ b/4_Presentation/Präsentation Gruppe 2.pptx
@@ -12,15 +12,15 @@
     <p:sldId id="268" r:id="rId3"/>
     <p:sldId id="271" r:id="rId4"/>
     <p:sldId id="257" r:id="rId5"/>
-    <p:sldId id="269" r:id="rId6"/>
-    <p:sldId id="258" r:id="rId7"/>
-    <p:sldId id="259" r:id="rId8"/>
-    <p:sldId id="262" r:id="rId9"/>
-    <p:sldId id="263" r:id="rId10"/>
-    <p:sldId id="260" r:id="rId11"/>
-    <p:sldId id="272" r:id="rId12"/>
-    <p:sldId id="264" r:id="rId13"/>
-    <p:sldId id="265" r:id="rId14"/>
+    <p:sldId id="258" r:id="rId6"/>
+    <p:sldId id="259" r:id="rId7"/>
+    <p:sldId id="262" r:id="rId8"/>
+    <p:sldId id="263" r:id="rId9"/>
+    <p:sldId id="260" r:id="rId10"/>
+    <p:sldId id="272" r:id="rId11"/>
+    <p:sldId id="264" r:id="rId12"/>
+    <p:sldId id="265" r:id="rId13"/>
+    <p:sldId id="273" r:id="rId14"/>
     <p:sldId id="261" r:id="rId15"/>
     <p:sldId id="267" r:id="rId16"/>
   </p:sldIdLst>
@@ -641,7 +641,7 @@
           <a:p>
             <a:fld id="{6620C3BC-38C1-43FE-B962-4441245910D1}" type="slidenum">
               <a:rPr lang="de-DE" smtClean="0"/>
-              <a:t>6</a:t>
+              <a:t>5</a:t>
             </a:fld>
             <a:endParaRPr lang="de-DE"/>
           </a:p>
@@ -740,7 +740,7 @@
           <a:p>
             <a:fld id="{6620C3BC-38C1-43FE-B962-4441245910D1}" type="slidenum">
               <a:rPr lang="de-DE" smtClean="0"/>
-              <a:t>8</a:t>
+              <a:t>7</a:t>
             </a:fld>
             <a:endParaRPr lang="de-DE"/>
           </a:p>
@@ -878,7 +878,7 @@
           <a:p>
             <a:fld id="{6620C3BC-38C1-43FE-B962-4441245910D1}" type="slidenum">
               <a:rPr lang="de-DE" smtClean="0"/>
-              <a:t>12</a:t>
+              <a:t>11</a:t>
             </a:fld>
             <a:endParaRPr lang="de-DE"/>
           </a:p>
@@ -4190,145 +4190,6 @@
           <p:cNvPr id="2" name="Titel 1">
             <a:extLst>
               <a:ext uri="{FF2B5EF4-FFF2-40B4-BE49-F238E27FC236}">
-                <a16:creationId xmlns:a16="http://schemas.microsoft.com/office/drawing/2014/main" id="{925338B6-1A89-75B3-28D9-BB71D0B6E999}"/>
-              </a:ext>
-            </a:extLst>
-          </p:cNvPr>
-          <p:cNvSpPr>
-            <a:spLocks noGrp="1"/>
-          </p:cNvSpPr>
-          <p:nvPr>
-            <p:ph type="title"/>
-          </p:nvPr>
-        </p:nvSpPr>
-        <p:spPr/>
-        <p:txBody>
-          <a:bodyPr/>
-          <a:lstStyle/>
-          <a:p>
-            <a:r>
-              <a:rPr lang="de-DE" dirty="0"/>
-              <a:t>Art der </a:t>
-            </a:r>
-            <a:r>
-              <a:rPr lang="de-DE" dirty="0" err="1"/>
-              <a:t>Missing</a:t>
-            </a:r>
-            <a:r>
-              <a:rPr lang="de-DE" dirty="0"/>
-              <a:t> Value Imputation</a:t>
-            </a:r>
-          </a:p>
-        </p:txBody>
-      </p:sp>
-      <p:sp>
-        <p:nvSpPr>
-          <p:cNvPr id="3" name="Inhaltsplatzhalter 2">
-            <a:extLst>
-              <a:ext uri="{FF2B5EF4-FFF2-40B4-BE49-F238E27FC236}">
-                <a16:creationId xmlns:a16="http://schemas.microsoft.com/office/drawing/2014/main" id="{92BCCD00-C4DD-B23E-DA10-5A4D725B6C43}"/>
-              </a:ext>
-            </a:extLst>
-          </p:cNvPr>
-          <p:cNvSpPr>
-            <a:spLocks noGrp="1"/>
-          </p:cNvSpPr>
-          <p:nvPr>
-            <p:ph idx="1"/>
-          </p:nvPr>
-        </p:nvSpPr>
-        <p:spPr/>
-        <p:txBody>
-          <a:bodyPr/>
-          <a:lstStyle/>
-          <a:p>
-            <a:pPr marL="0" indent="0">
-              <a:buNone/>
-            </a:pPr>
-            <a:r>
-              <a:rPr lang="de-DE" dirty="0"/>
-              <a:t>Hotdeck-Methode (auf Ähnlichkeiten)</a:t>
-            </a:r>
-          </a:p>
-          <a:p>
-            <a:pPr marL="0" indent="0">
-              <a:buNone/>
-            </a:pPr>
-            <a:endParaRPr lang="de-DE" dirty="0"/>
-          </a:p>
-          <a:p>
-            <a:pPr marL="0" indent="0">
-              <a:buNone/>
-            </a:pPr>
-            <a:endParaRPr lang="de-DE" dirty="0"/>
-          </a:p>
-        </p:txBody>
-      </p:sp>
-      <p:pic>
-        <p:nvPicPr>
-          <p:cNvPr id="5" name="Grafik 4">
-            <a:extLst>
-              <a:ext uri="{FF2B5EF4-FFF2-40B4-BE49-F238E27FC236}">
-                <a16:creationId xmlns:a16="http://schemas.microsoft.com/office/drawing/2014/main" id="{963C079B-9965-BC30-E3D2-994FE0A381B2}"/>
-              </a:ext>
-            </a:extLst>
-          </p:cNvPr>
-          <p:cNvPicPr>
-            <a:picLocks noChangeAspect="1"/>
-          </p:cNvPicPr>
-          <p:nvPr/>
-        </p:nvPicPr>
-        <p:blipFill>
-          <a:blip r:embed="rId2"/>
-          <a:stretch>
-            <a:fillRect/>
-          </a:stretch>
-        </p:blipFill>
-        <p:spPr>
-          <a:xfrm>
-            <a:off x="2742930" y="3429000"/>
-            <a:ext cx="6706139" cy="2131486"/>
-          </a:xfrm>
-          <a:prstGeom prst="rect">
-            <a:avLst/>
-          </a:prstGeom>
-        </p:spPr>
-      </p:pic>
-    </p:spTree>
-    <p:extLst>
-      <p:ext uri="{BB962C8B-B14F-4D97-AF65-F5344CB8AC3E}">
-        <p14:creationId xmlns:p14="http://schemas.microsoft.com/office/powerpoint/2010/main" val="150230274"/>
-      </p:ext>
-    </p:extLst>
-  </p:cSld>
-  <p:clrMapOvr>
-    <a:masterClrMapping/>
-  </p:clrMapOvr>
-</p:sld>
-</file>
-
-<file path=ppt/slides/slide11.xml><?xml version="1.0" encoding="utf-8"?>
-<p:sld xmlns:a="http://schemas.openxmlformats.org/drawingml/2006/main" xmlns:r="http://schemas.openxmlformats.org/officeDocument/2006/relationships" xmlns:p="http://schemas.openxmlformats.org/presentationml/2006/main">
-  <p:cSld>
-    <p:spTree>
-      <p:nvGrpSpPr>
-        <p:cNvPr id="1" name=""/>
-        <p:cNvGrpSpPr/>
-        <p:nvPr/>
-      </p:nvGrpSpPr>
-      <p:grpSpPr>
-        <a:xfrm>
-          <a:off x="0" y="0"/>
-          <a:ext cx="0" cy="0"/>
-          <a:chOff x="0" y="0"/>
-          <a:chExt cx="0" cy="0"/>
-        </a:xfrm>
-      </p:grpSpPr>
-      <p:sp>
-        <p:nvSpPr>
-          <p:cNvPr id="2" name="Titel 1">
-            <a:extLst>
-              <a:ext uri="{FF2B5EF4-FFF2-40B4-BE49-F238E27FC236}">
                 <a16:creationId xmlns:a16="http://schemas.microsoft.com/office/drawing/2014/main" id="{449AA396-9602-E702-0794-EE6805DA5BF3}"/>
               </a:ext>
             </a:extLst>
@@ -4456,7 +4317,7 @@
 </p:sld>
 </file>
 
-<file path=ppt/slides/slide12.xml><?xml version="1.0" encoding="utf-8"?>
+<file path=ppt/slides/slide11.xml><?xml version="1.0" encoding="utf-8"?>
 <p:sld xmlns:a="http://schemas.openxmlformats.org/drawingml/2006/main" xmlns:r="http://schemas.openxmlformats.org/officeDocument/2006/relationships" xmlns:p="http://schemas.openxmlformats.org/presentationml/2006/main">
   <p:cSld>
     <p:spTree>
@@ -4582,7 +4443,7 @@
 </p:sld>
 </file>
 
-<file path=ppt/slides/slide13.xml><?xml version="1.0" encoding="utf-8"?>
+<file path=ppt/slides/slide12.xml><?xml version="1.0" encoding="utf-8"?>
 <p:sld xmlns:a="http://schemas.openxmlformats.org/drawingml/2006/main" xmlns:r="http://schemas.openxmlformats.org/officeDocument/2006/relationships" xmlns:p="http://schemas.openxmlformats.org/presentationml/2006/main">
   <p:cSld>
     <p:spTree>
@@ -4758,8 +4619,107 @@
 </p:sld>
 </file>
 
+<file path=ppt/slides/slide13.xml><?xml version="1.0" encoding="utf-8"?>
+<p:sld xmlns:a="http://schemas.openxmlformats.org/drawingml/2006/main" xmlns:r="http://schemas.openxmlformats.org/officeDocument/2006/relationships" xmlns:p="http://schemas.openxmlformats.org/presentationml/2006/main">
+  <p:cSld>
+    <p:spTree>
+      <p:nvGrpSpPr>
+        <p:cNvPr id="1" name=""/>
+        <p:cNvGrpSpPr/>
+        <p:nvPr/>
+      </p:nvGrpSpPr>
+      <p:grpSpPr>
+        <a:xfrm>
+          <a:off x="0" y="0"/>
+          <a:ext cx="0" cy="0"/>
+          <a:chOff x="0" y="0"/>
+          <a:chExt cx="0" cy="0"/>
+        </a:xfrm>
+      </p:grpSpPr>
+      <p:sp>
+        <p:nvSpPr>
+          <p:cNvPr id="2" name="Titel 1">
+            <a:extLst>
+              <a:ext uri="{FF2B5EF4-FFF2-40B4-BE49-F238E27FC236}">
+                <a16:creationId xmlns:a16="http://schemas.microsoft.com/office/drawing/2014/main" id="{BD7A183B-0228-0FB1-55EE-4A5B938D72F6}"/>
+              </a:ext>
+            </a:extLst>
+          </p:cNvPr>
+          <p:cNvSpPr>
+            <a:spLocks noGrp="1"/>
+          </p:cNvSpPr>
+          <p:nvPr>
+            <p:ph type="title"/>
+          </p:nvPr>
+        </p:nvSpPr>
+        <p:spPr/>
+        <p:txBody>
+          <a:bodyPr/>
+          <a:lstStyle/>
+          <a:p>
+            <a:r>
+              <a:rPr lang="de-DE" dirty="0"/>
+              <a:t>„</a:t>
+            </a:r>
+            <a:r>
+              <a:rPr lang="de-DE" dirty="0" err="1"/>
+              <a:t>Worst</a:t>
+            </a:r>
+            <a:r>
+              <a:rPr lang="de-DE" dirty="0"/>
+              <a:t> Fail“/„Best </a:t>
+            </a:r>
+            <a:r>
+              <a:rPr lang="de-DE" dirty="0" err="1"/>
+              <a:t>Improvement</a:t>
+            </a:r>
+            <a:r>
+              <a:rPr lang="de-DE" dirty="0"/>
+              <a:t>“</a:t>
+            </a:r>
+          </a:p>
+        </p:txBody>
+      </p:sp>
+      <p:sp>
+        <p:nvSpPr>
+          <p:cNvPr id="3" name="Inhaltsplatzhalter 2">
+            <a:extLst>
+              <a:ext uri="{FF2B5EF4-FFF2-40B4-BE49-F238E27FC236}">
+                <a16:creationId xmlns:a16="http://schemas.microsoft.com/office/drawing/2014/main" id="{ED613542-BCE0-6D45-76C5-2183CEBD5D13}"/>
+              </a:ext>
+            </a:extLst>
+          </p:cNvPr>
+          <p:cNvSpPr>
+            <a:spLocks noGrp="1"/>
+          </p:cNvSpPr>
+          <p:nvPr>
+            <p:ph idx="1"/>
+          </p:nvPr>
+        </p:nvSpPr>
+        <p:spPr/>
+        <p:txBody>
+          <a:bodyPr/>
+          <a:lstStyle/>
+          <a:p>
+            <a:endParaRPr lang="de-DE"/>
+          </a:p>
+        </p:txBody>
+      </p:sp>
+    </p:spTree>
+    <p:extLst>
+      <p:ext uri="{BB962C8B-B14F-4D97-AF65-F5344CB8AC3E}">
+        <p14:creationId xmlns:p14="http://schemas.microsoft.com/office/powerpoint/2010/main" val="2377607424"/>
+      </p:ext>
+    </p:extLst>
+  </p:cSld>
+  <p:clrMapOvr>
+    <a:masterClrMapping/>
+  </p:clrMapOvr>
+</p:sld>
+</file>
+
 <file path=ppt/slides/slide14.xml><?xml version="1.0" encoding="utf-8"?>
-<p:sld xmlns:a="http://schemas.openxmlformats.org/drawingml/2006/main" xmlns:r="http://schemas.openxmlformats.org/officeDocument/2006/relationships" xmlns:p="http://schemas.openxmlformats.org/presentationml/2006/main">
+<p:sld xmlns:a="http://schemas.openxmlformats.org/drawingml/2006/main" xmlns:r="http://schemas.openxmlformats.org/officeDocument/2006/relationships" xmlns:p="http://schemas.openxmlformats.org/presentationml/2006/main" show="0">
   <p:cSld>
     <p:spTree>
       <p:nvGrpSpPr>
@@ -5924,7 +5884,7 @@
 </file>
 
 <file path=ppt/slides/slide15.xml><?xml version="1.0" encoding="utf-8"?>
-<p:sld xmlns:a="http://schemas.openxmlformats.org/drawingml/2006/main" xmlns:r="http://schemas.openxmlformats.org/officeDocument/2006/relationships" xmlns:p="http://schemas.openxmlformats.org/presentationml/2006/main">
+<p:sld xmlns:a="http://schemas.openxmlformats.org/drawingml/2006/main" xmlns:r="http://schemas.openxmlformats.org/officeDocument/2006/relationships" xmlns:p="http://schemas.openxmlformats.org/presentationml/2006/main" show="0">
   <p:cSld>
     <p:spTree>
       <p:nvGrpSpPr>
@@ -6829,7 +6789,7 @@
           <a:p>
             <a:r>
               <a:rPr lang="de-DE" dirty="0"/>
-              <a:t>Vorstellung des Datensatzes inkl. Selbst erstellter variablen 1/2</a:t>
+              <a:t>Vorstellung des Datensatzes inkl. Selbst erstellter variablen 2/2</a:t>
             </a:r>
           </a:p>
         </p:txBody>
@@ -7462,43 +7422,6 @@
           </a:p>
         </p:txBody>
       </p:sp>
-      <p:sp>
-        <p:nvSpPr>
-          <p:cNvPr id="3" name="Inhaltsplatzhalter 2">
-            <a:extLst>
-              <a:ext uri="{FF2B5EF4-FFF2-40B4-BE49-F238E27FC236}">
-                <a16:creationId xmlns:a16="http://schemas.microsoft.com/office/drawing/2014/main" id="{E61BE102-5884-7E82-32C9-2A107DCCDAF8}"/>
-              </a:ext>
-            </a:extLst>
-          </p:cNvPr>
-          <p:cNvSpPr>
-            <a:spLocks noGrp="1"/>
-          </p:cNvSpPr>
-          <p:nvPr>
-            <p:ph idx="1"/>
-          </p:nvPr>
-        </p:nvSpPr>
-        <p:spPr/>
-        <p:txBody>
-          <a:bodyPr/>
-          <a:lstStyle/>
-          <a:p>
-            <a:r>
-              <a:rPr lang="de-DE" dirty="0"/>
-              <a:t>Ferien</a:t>
-            </a:r>
-          </a:p>
-          <a:p>
-            <a:endParaRPr lang="de-DE" dirty="0"/>
-          </a:p>
-          <a:p>
-            <a:r>
-              <a:rPr lang="de-DE" dirty="0"/>
-              <a:t>Feiertage</a:t>
-            </a:r>
-          </a:p>
-        </p:txBody>
-      </p:sp>
       <p:pic>
         <p:nvPicPr>
           <p:cNvPr id="5" name="Grafik 4">
@@ -7527,8 +7450,43 @@
         </p:blipFill>
         <p:spPr>
           <a:xfrm>
-            <a:off x="5012078" y="2268769"/>
+            <a:off x="5724993" y="2268769"/>
             <a:ext cx="6282734" cy="4299940"/>
+          </a:xfrm>
+          <a:prstGeom prst="rect">
+            <a:avLst/>
+          </a:prstGeom>
+        </p:spPr>
+      </p:pic>
+      <p:pic>
+        <p:nvPicPr>
+          <p:cNvPr id="4" name="Grafik 3">
+            <a:extLst>
+              <a:ext uri="{FF2B5EF4-FFF2-40B4-BE49-F238E27FC236}">
+                <a16:creationId xmlns:a16="http://schemas.microsoft.com/office/drawing/2014/main" id="{A0C8D432-EC38-01A8-CAAC-B3D7C5DB85F4}"/>
+              </a:ext>
+            </a:extLst>
+          </p:cNvPr>
+          <p:cNvPicPr>
+            <a:picLocks noChangeAspect="1"/>
+          </p:cNvPicPr>
+          <p:nvPr/>
+        </p:nvPicPr>
+        <p:blipFill>
+          <a:blip r:embed="rId3">
+            <a:extLst>
+              <a:ext uri="{28A0092B-C50C-407E-A947-70E740481C1C}">
+                <a14:useLocalDpi xmlns:a14="http://schemas.microsoft.com/office/drawing/2010/main" val="0"/>
+              </a:ext>
+            </a:extLst>
+          </a:blip>
+          <a:srcRect/>
+          <a:stretch/>
+        </p:blipFill>
+        <p:spPr>
+          <a:xfrm>
+            <a:off x="184273" y="2529266"/>
+            <a:ext cx="5521498" cy="3778946"/>
           </a:xfrm>
           <a:prstGeom prst="rect">
             <a:avLst/>
@@ -7549,99 +7507,6 @@
 </file>
 
 <file path=ppt/slides/slide5.xml><?xml version="1.0" encoding="utf-8"?>
-<p:sld xmlns:a="http://schemas.openxmlformats.org/drawingml/2006/main" xmlns:r="http://schemas.openxmlformats.org/officeDocument/2006/relationships" xmlns:p="http://schemas.openxmlformats.org/presentationml/2006/main">
-  <p:cSld>
-    <p:spTree>
-      <p:nvGrpSpPr>
-        <p:cNvPr id="1" name=""/>
-        <p:cNvGrpSpPr/>
-        <p:nvPr/>
-      </p:nvGrpSpPr>
-      <p:grpSpPr>
-        <a:xfrm>
-          <a:off x="0" y="0"/>
-          <a:ext cx="0" cy="0"/>
-          <a:chOff x="0" y="0"/>
-          <a:chExt cx="0" cy="0"/>
-        </a:xfrm>
-      </p:grpSpPr>
-      <p:sp>
-        <p:nvSpPr>
-          <p:cNvPr id="2" name="Titel 1">
-            <a:extLst>
-              <a:ext uri="{FF2B5EF4-FFF2-40B4-BE49-F238E27FC236}">
-                <a16:creationId xmlns:a16="http://schemas.microsoft.com/office/drawing/2014/main" id="{C6D29DFC-890F-8B97-F1EE-0E51C96885D4}"/>
-              </a:ext>
-            </a:extLst>
-          </p:cNvPr>
-          <p:cNvSpPr>
-            <a:spLocks noGrp="1"/>
-          </p:cNvSpPr>
-          <p:nvPr>
-            <p:ph type="title"/>
-          </p:nvPr>
-        </p:nvSpPr>
-        <p:spPr/>
-        <p:txBody>
-          <a:bodyPr/>
-          <a:lstStyle/>
-          <a:p>
-            <a:r>
-              <a:rPr lang="de-DE" dirty="0"/>
-              <a:t>Unsere selbsterstellten Variablen</a:t>
-            </a:r>
-          </a:p>
-        </p:txBody>
-      </p:sp>
-      <p:pic>
-        <p:nvPicPr>
-          <p:cNvPr id="5" name="Grafik 4">
-            <a:extLst>
-              <a:ext uri="{FF2B5EF4-FFF2-40B4-BE49-F238E27FC236}">
-                <a16:creationId xmlns:a16="http://schemas.microsoft.com/office/drawing/2014/main" id="{A0C8D432-EC38-01A8-CAAC-B3D7C5DB85F4}"/>
-              </a:ext>
-            </a:extLst>
-          </p:cNvPr>
-          <p:cNvPicPr>
-            <a:picLocks noChangeAspect="1"/>
-          </p:cNvPicPr>
-          <p:nvPr/>
-        </p:nvPicPr>
-        <p:blipFill>
-          <a:blip r:embed="rId2">
-            <a:extLst>
-              <a:ext uri="{28A0092B-C50C-407E-A947-70E740481C1C}">
-                <a14:useLocalDpi xmlns:a14="http://schemas.microsoft.com/office/drawing/2010/main" val="0"/>
-              </a:ext>
-            </a:extLst>
-          </a:blip>
-          <a:srcRect/>
-          <a:stretch/>
-        </p:blipFill>
-        <p:spPr>
-          <a:xfrm>
-            <a:off x="2954633" y="2268769"/>
-            <a:ext cx="6282733" cy="4299940"/>
-          </a:xfrm>
-          <a:prstGeom prst="rect">
-            <a:avLst/>
-          </a:prstGeom>
-        </p:spPr>
-      </p:pic>
-    </p:spTree>
-    <p:extLst>
-      <p:ext uri="{BB962C8B-B14F-4D97-AF65-F5344CB8AC3E}">
-        <p14:creationId xmlns:p14="http://schemas.microsoft.com/office/powerpoint/2010/main" val="2661919179"/>
-      </p:ext>
-    </p:extLst>
-  </p:cSld>
-  <p:clrMapOvr>
-    <a:masterClrMapping/>
-  </p:clrMapOvr>
-</p:sld>
-</file>
-
-<file path=ppt/slides/slide6.xml><?xml version="1.0" encoding="utf-8"?>
 <p:sld xmlns:a="http://schemas.openxmlformats.org/drawingml/2006/main" xmlns:r="http://schemas.openxmlformats.org/officeDocument/2006/relationships" xmlns:p="http://schemas.openxmlformats.org/presentationml/2006/main">
   <p:cSld>
     <p:spTree>
@@ -7771,7 +7636,7 @@
 </p:sld>
 </file>
 
-<file path=ppt/slides/slide7.xml><?xml version="1.0" encoding="utf-8"?>
+<file path=ppt/slides/slide6.xml><?xml version="1.0" encoding="utf-8"?>
 <p:sld xmlns:a="http://schemas.openxmlformats.org/drawingml/2006/main" xmlns:r="http://schemas.openxmlformats.org/officeDocument/2006/relationships" xmlns:p="http://schemas.openxmlformats.org/presentationml/2006/main">
   <p:cSld>
     <p:spTree>
@@ -8009,7 +7874,7 @@
 </p:sld>
 </file>
 
-<file path=ppt/slides/slide8.xml><?xml version="1.0" encoding="utf-8"?>
+<file path=ppt/slides/slide7.xml><?xml version="1.0" encoding="utf-8"?>
 <p:sld xmlns:a="http://schemas.openxmlformats.org/drawingml/2006/main" xmlns:r="http://schemas.openxmlformats.org/officeDocument/2006/relationships" xmlns:p="http://schemas.openxmlformats.org/presentationml/2006/main">
   <p:cSld>
     <p:spTree>
@@ -8608,7 +8473,7 @@
 </p:sld>
 </file>
 
-<file path=ppt/slides/slide9.xml><?xml version="1.0" encoding="utf-8"?>
+<file path=ppt/slides/slide8.xml><?xml version="1.0" encoding="utf-8"?>
 <p:sld xmlns:a="http://schemas.openxmlformats.org/drawingml/2006/main" xmlns:r="http://schemas.openxmlformats.org/officeDocument/2006/relationships" xmlns:p="http://schemas.openxmlformats.org/presentationml/2006/main">
   <p:cSld>
     <p:spTree>
@@ -8719,6 +8584,145 @@
     <p:extLst>
       <p:ext uri="{BB962C8B-B14F-4D97-AF65-F5344CB8AC3E}">
         <p14:creationId xmlns:p14="http://schemas.microsoft.com/office/powerpoint/2010/main" val="1283198544"/>
+      </p:ext>
+    </p:extLst>
+  </p:cSld>
+  <p:clrMapOvr>
+    <a:masterClrMapping/>
+  </p:clrMapOvr>
+</p:sld>
+</file>
+
+<file path=ppt/slides/slide9.xml><?xml version="1.0" encoding="utf-8"?>
+<p:sld xmlns:a="http://schemas.openxmlformats.org/drawingml/2006/main" xmlns:r="http://schemas.openxmlformats.org/officeDocument/2006/relationships" xmlns:p="http://schemas.openxmlformats.org/presentationml/2006/main">
+  <p:cSld>
+    <p:spTree>
+      <p:nvGrpSpPr>
+        <p:cNvPr id="1" name=""/>
+        <p:cNvGrpSpPr/>
+        <p:nvPr/>
+      </p:nvGrpSpPr>
+      <p:grpSpPr>
+        <a:xfrm>
+          <a:off x="0" y="0"/>
+          <a:ext cx="0" cy="0"/>
+          <a:chOff x="0" y="0"/>
+          <a:chExt cx="0" cy="0"/>
+        </a:xfrm>
+      </p:grpSpPr>
+      <p:sp>
+        <p:nvSpPr>
+          <p:cNvPr id="2" name="Titel 1">
+            <a:extLst>
+              <a:ext uri="{FF2B5EF4-FFF2-40B4-BE49-F238E27FC236}">
+                <a16:creationId xmlns:a16="http://schemas.microsoft.com/office/drawing/2014/main" id="{925338B6-1A89-75B3-28D9-BB71D0B6E999}"/>
+              </a:ext>
+            </a:extLst>
+          </p:cNvPr>
+          <p:cNvSpPr>
+            <a:spLocks noGrp="1"/>
+          </p:cNvSpPr>
+          <p:nvPr>
+            <p:ph type="title"/>
+          </p:nvPr>
+        </p:nvSpPr>
+        <p:spPr/>
+        <p:txBody>
+          <a:bodyPr/>
+          <a:lstStyle/>
+          <a:p>
+            <a:r>
+              <a:rPr lang="de-DE" dirty="0"/>
+              <a:t>Art der </a:t>
+            </a:r>
+            <a:r>
+              <a:rPr lang="de-DE" dirty="0" err="1"/>
+              <a:t>Missing</a:t>
+            </a:r>
+            <a:r>
+              <a:rPr lang="de-DE" dirty="0"/>
+              <a:t> Value Imputation</a:t>
+            </a:r>
+          </a:p>
+        </p:txBody>
+      </p:sp>
+      <p:sp>
+        <p:nvSpPr>
+          <p:cNvPr id="3" name="Inhaltsplatzhalter 2">
+            <a:extLst>
+              <a:ext uri="{FF2B5EF4-FFF2-40B4-BE49-F238E27FC236}">
+                <a16:creationId xmlns:a16="http://schemas.microsoft.com/office/drawing/2014/main" id="{92BCCD00-C4DD-B23E-DA10-5A4D725B6C43}"/>
+              </a:ext>
+            </a:extLst>
+          </p:cNvPr>
+          <p:cNvSpPr>
+            <a:spLocks noGrp="1"/>
+          </p:cNvSpPr>
+          <p:nvPr>
+            <p:ph idx="1"/>
+          </p:nvPr>
+        </p:nvSpPr>
+        <p:spPr/>
+        <p:txBody>
+          <a:bodyPr/>
+          <a:lstStyle/>
+          <a:p>
+            <a:pPr marL="0" indent="0">
+              <a:buNone/>
+            </a:pPr>
+            <a:r>
+              <a:rPr lang="de-DE" dirty="0"/>
+              <a:t>Hotdeck-Methode (auf Ähnlichkeiten)</a:t>
+            </a:r>
+          </a:p>
+          <a:p>
+            <a:pPr marL="0" indent="0">
+              <a:buNone/>
+            </a:pPr>
+            <a:endParaRPr lang="de-DE" dirty="0"/>
+          </a:p>
+          <a:p>
+            <a:pPr marL="0" indent="0">
+              <a:buNone/>
+            </a:pPr>
+            <a:endParaRPr lang="de-DE" dirty="0"/>
+          </a:p>
+        </p:txBody>
+      </p:sp>
+      <p:pic>
+        <p:nvPicPr>
+          <p:cNvPr id="5" name="Grafik 4">
+            <a:extLst>
+              <a:ext uri="{FF2B5EF4-FFF2-40B4-BE49-F238E27FC236}">
+                <a16:creationId xmlns:a16="http://schemas.microsoft.com/office/drawing/2014/main" id="{963C079B-9965-BC30-E3D2-994FE0A381B2}"/>
+              </a:ext>
+            </a:extLst>
+          </p:cNvPr>
+          <p:cNvPicPr>
+            <a:picLocks noChangeAspect="1"/>
+          </p:cNvPicPr>
+          <p:nvPr/>
+        </p:nvPicPr>
+        <p:blipFill>
+          <a:blip r:embed="rId2"/>
+          <a:stretch>
+            <a:fillRect/>
+          </a:stretch>
+        </p:blipFill>
+        <p:spPr>
+          <a:xfrm>
+            <a:off x="2742930" y="3429000"/>
+            <a:ext cx="6706139" cy="2131486"/>
+          </a:xfrm>
+          <a:prstGeom prst="rect">
+            <a:avLst/>
+          </a:prstGeom>
+        </p:spPr>
+      </p:pic>
+    </p:spTree>
+    <p:extLst>
+      <p:ext uri="{BB962C8B-B14F-4D97-AF65-F5344CB8AC3E}">
+        <p14:creationId xmlns:p14="http://schemas.microsoft.com/office/powerpoint/2010/main" val="150230274"/>
       </p:ext>
     </p:extLst>
   </p:cSld>

--- a/4_Presentation/Präsentation Gruppe 2.pptx
+++ b/4_Presentation/Präsentation Gruppe 2.pptx
@@ -4143,7 +4143,22 @@
           <a:p>
             <a:r>
               <a:rPr lang="de-DE" dirty="0"/>
-              <a:t> Einführung in Data Science und maschinelles Lernen</a:t>
+              <a:t> Einführung in Data Science und maschinelles Lernen –</a:t>
+            </a:r>
+            <a:br>
+              <a:rPr lang="de-DE" dirty="0"/>
+            </a:br>
+            <a:r>
+              <a:rPr lang="de-DE" dirty="0" err="1"/>
+              <a:t>Bakery</a:t>
+            </a:r>
+            <a:r>
+              <a:rPr lang="de-DE" dirty="0"/>
+              <a:t> Sales </a:t>
+            </a:r>
+            <a:r>
+              <a:rPr lang="de-DE" dirty="0" err="1"/>
+              <a:t>Prediction</a:t>
             </a:r>
             <a:br>
               <a:rPr lang="de-DE" dirty="0"/>

--- a/4_Presentation/Präsentation Gruppe 2.pptx
+++ b/4_Presentation/Präsentation Gruppe 2.pptx
@@ -4138,12 +4138,21 @@
         </p:nvSpPr>
         <p:spPr/>
         <p:txBody>
-          <a:bodyPr/>
+          <a:bodyPr>
+            <a:normAutofit lnSpcReduction="10000"/>
+          </a:bodyPr>
           <a:lstStyle/>
           <a:p>
             <a:r>
               <a:rPr lang="de-DE" dirty="0"/>
-              <a:t> Einführung in Data Science und maschinelles Lernen –</a:t>
+              <a:t> Einführung in Data Science und maschinelles Lernen </a:t>
+            </a:r>
+            <a:br>
+              <a:rPr lang="de-DE" dirty="0"/>
+            </a:br>
+            <a:r>
+              <a:rPr lang="de-DE" dirty="0"/>
+              <a:t>–</a:t>
             </a:r>
             <a:br>
               <a:rPr lang="de-DE" dirty="0"/>

--- a/4_Presentation/Präsentation Gruppe 2.pptx
+++ b/4_Presentation/Präsentation Gruppe 2.pptx
@@ -122,6 +122,33 @@
     </a:lvl9pPr>
   </p:defaultTextStyle>
   <p:extLst>
+    <p:ext uri="{521415D9-36F7-43E2-AB2F-B90AF26B5E84}">
+      <p14:sectionLst xmlns:p14="http://schemas.microsoft.com/office/powerpoint/2010/main">
+        <p14:section name="Standardabschnitt" id="{835D4FC9-14AC-4092-8543-D4EDEC800EA1}">
+          <p14:sldIdLst>
+            <p14:sldId id="256"/>
+            <p14:sldId id="268"/>
+            <p14:sldId id="271"/>
+            <p14:sldId id="257"/>
+            <p14:sldId id="258"/>
+            <p14:sldId id="259"/>
+            <p14:sldId id="262"/>
+            <p14:sldId id="263"/>
+            <p14:sldId id="260"/>
+            <p14:sldId id="272"/>
+            <p14:sldId id="264"/>
+            <p14:sldId id="265"/>
+            <p14:sldId id="273"/>
+          </p14:sldIdLst>
+        </p14:section>
+        <p14:section name="Anforderungen, können weg" id="{02CB610C-A22B-4A46-8BB4-8DAB759AE9A7}">
+          <p14:sldIdLst>
+            <p14:sldId id="261"/>
+            <p14:sldId id="267"/>
+          </p14:sldIdLst>
+        </p14:section>
+      </p14:sectionLst>
+    </p:ext>
     <p:ext uri="{EFAFB233-063F-42B5-8137-9DF3F51BA10A}">
       <p15:sldGuideLst xmlns:p15="http://schemas.microsoft.com/office/powerpoint/2012/main">
         <p15:guide id="1" orient="horz" pos="2160" userDrawn="1">

--- a/4_Presentation/Präsentation Gruppe 2.pptx
+++ b/4_Presentation/Präsentation Gruppe 2.pptx
@@ -141,7 +141,7 @@
             <p14:sldId id="273"/>
           </p14:sldIdLst>
         </p14:section>
-        <p14:section name="Anforderungen, können weg" id="{02CB610C-A22B-4A46-8BB4-8DAB759AE9A7}">
+        <p14:section name="Anforderungen, Folien können weg" id="{02CB610C-A22B-4A46-8BB4-8DAB759AE9A7}">
           <p14:sldIdLst>
             <p14:sldId id="261"/>
             <p14:sldId id="267"/>

--- a/4_Presentation/Präsentation Gruppe 2.pptx
+++ b/4_Presentation/Präsentation Gruppe 2.pptx
@@ -5,7 +5,7 @@
     <p:sldMasterId id="2147483675" r:id="rId1"/>
   </p:sldMasterIdLst>
   <p:notesMasterIdLst>
-    <p:notesMasterId r:id="rId17"/>
+    <p:notesMasterId r:id="rId18"/>
   </p:notesMasterIdLst>
   <p:sldIdLst>
     <p:sldId id="256" r:id="rId2"/>
@@ -20,9 +20,10 @@
     <p:sldId id="272" r:id="rId11"/>
     <p:sldId id="264" r:id="rId12"/>
     <p:sldId id="265" r:id="rId13"/>
-    <p:sldId id="273" r:id="rId14"/>
-    <p:sldId id="261" r:id="rId15"/>
-    <p:sldId id="267" r:id="rId16"/>
+    <p:sldId id="274" r:id="rId14"/>
+    <p:sldId id="273" r:id="rId15"/>
+    <p:sldId id="261" r:id="rId16"/>
+    <p:sldId id="267" r:id="rId17"/>
   </p:sldIdLst>
   <p:sldSz cx="12192000" cy="6858000"/>
   <p:notesSz cx="6858000" cy="9144000"/>
@@ -138,6 +139,7 @@
             <p14:sldId id="272"/>
             <p14:sldId id="264"/>
             <p14:sldId id="265"/>
+            <p14:sldId id="274"/>
             <p14:sldId id="273"/>
           </p14:sldIdLst>
         </p14:section>
@@ -252,7 +254,7 @@
           <a:p>
             <a:fld id="{4C81589B-D375-4636-8EDE-B73CDB9EEC0F}" type="datetimeFigureOut">
               <a:rPr lang="de-DE" smtClean="0"/>
-              <a:t>22.01.2024</a:t>
+              <a:t>23.01.2024</a:t>
             </a:fld>
             <a:endParaRPr lang="de-DE"/>
           </a:p>
@@ -1087,7 +1089,7 @@
           <a:p>
             <a:fld id="{17A1FADB-49D7-4AF2-A412-338A0E252B7F}" type="datetimeFigureOut">
               <a:rPr lang="de-DE" smtClean="0"/>
-              <a:t>22.01.2024</a:t>
+              <a:t>23.01.2024</a:t>
             </a:fld>
             <a:endParaRPr lang="de-DE"/>
           </a:p>
@@ -1257,7 +1259,7 @@
           <a:p>
             <a:fld id="{17A1FADB-49D7-4AF2-A412-338A0E252B7F}" type="datetimeFigureOut">
               <a:rPr lang="de-DE" smtClean="0"/>
-              <a:t>22.01.2024</a:t>
+              <a:t>23.01.2024</a:t>
             </a:fld>
             <a:endParaRPr lang="de-DE"/>
           </a:p>
@@ -1437,7 +1439,7 @@
           <a:p>
             <a:fld id="{17A1FADB-49D7-4AF2-A412-338A0E252B7F}" type="datetimeFigureOut">
               <a:rPr lang="de-DE" smtClean="0"/>
-              <a:t>22.01.2024</a:t>
+              <a:t>23.01.2024</a:t>
             </a:fld>
             <a:endParaRPr lang="de-DE"/>
           </a:p>
@@ -1607,7 +1609,7 @@
           <a:p>
             <a:fld id="{17A1FADB-49D7-4AF2-A412-338A0E252B7F}" type="datetimeFigureOut">
               <a:rPr lang="de-DE" smtClean="0"/>
-              <a:t>22.01.2024</a:t>
+              <a:t>23.01.2024</a:t>
             </a:fld>
             <a:endParaRPr lang="de-DE"/>
           </a:p>
@@ -1875,7 +1877,7 @@
           <a:p>
             <a:fld id="{17A1FADB-49D7-4AF2-A412-338A0E252B7F}" type="datetimeFigureOut">
               <a:rPr lang="de-DE" smtClean="0"/>
-              <a:t>22.01.2024</a:t>
+              <a:t>23.01.2024</a:t>
             </a:fld>
             <a:endParaRPr lang="de-DE"/>
           </a:p>
@@ -2107,7 +2109,7 @@
           <a:p>
             <a:fld id="{17A1FADB-49D7-4AF2-A412-338A0E252B7F}" type="datetimeFigureOut">
               <a:rPr lang="de-DE" smtClean="0"/>
-              <a:t>22.01.2024</a:t>
+              <a:t>23.01.2024</a:t>
             </a:fld>
             <a:endParaRPr lang="de-DE"/>
           </a:p>
@@ -2466,7 +2468,7 @@
           <a:p>
             <a:fld id="{17A1FADB-49D7-4AF2-A412-338A0E252B7F}" type="datetimeFigureOut">
               <a:rPr lang="de-DE" smtClean="0"/>
-              <a:t>22.01.2024</a:t>
+              <a:t>23.01.2024</a:t>
             </a:fld>
             <a:endParaRPr lang="de-DE"/>
           </a:p>
@@ -2607,7 +2609,7 @@
           <a:p>
             <a:fld id="{17A1FADB-49D7-4AF2-A412-338A0E252B7F}" type="datetimeFigureOut">
               <a:rPr lang="de-DE" smtClean="0"/>
-              <a:t>22.01.2024</a:t>
+              <a:t>23.01.2024</a:t>
             </a:fld>
             <a:endParaRPr lang="de-DE"/>
           </a:p>
@@ -2702,7 +2704,7 @@
           <a:p>
             <a:fld id="{17A1FADB-49D7-4AF2-A412-338A0E252B7F}" type="datetimeFigureOut">
               <a:rPr lang="de-DE" smtClean="0"/>
-              <a:t>22.01.2024</a:t>
+              <a:t>23.01.2024</a:t>
             </a:fld>
             <a:endParaRPr lang="de-DE"/>
           </a:p>
@@ -3059,7 +3061,7 @@
           <a:p>
             <a:fld id="{17A1FADB-49D7-4AF2-A412-338A0E252B7F}" type="datetimeFigureOut">
               <a:rPr lang="de-DE" smtClean="0"/>
-              <a:t>22.01.2024</a:t>
+              <a:t>23.01.2024</a:t>
             </a:fld>
             <a:endParaRPr lang="de-DE"/>
           </a:p>
@@ -3416,7 +3418,7 @@
           <a:p>
             <a:fld id="{17A1FADB-49D7-4AF2-A412-338A0E252B7F}" type="datetimeFigureOut">
               <a:rPr lang="de-DE" smtClean="0"/>
-              <a:t>22.01.2024</a:t>
+              <a:t>23.01.2024</a:t>
             </a:fld>
             <a:endParaRPr lang="de-DE"/>
           </a:p>
@@ -3658,7 +3660,7 @@
           <a:p>
             <a:fld id="{17A1FADB-49D7-4AF2-A412-338A0E252B7F}" type="datetimeFigureOut">
               <a:rPr lang="de-DE" smtClean="0"/>
-              <a:t>22.01.2024</a:t>
+              <a:t>23.01.2024</a:t>
             </a:fld>
             <a:endParaRPr lang="de-DE"/>
           </a:p>
@@ -4692,6 +4694,524 @@
           <p:cNvPr id="2" name="Titel 1">
             <a:extLst>
               <a:ext uri="{FF2B5EF4-FFF2-40B4-BE49-F238E27FC236}">
+                <a16:creationId xmlns:a16="http://schemas.microsoft.com/office/drawing/2014/main" id="{925338B6-1A89-75B3-28D9-BB71D0B6E999}"/>
+              </a:ext>
+            </a:extLst>
+          </p:cNvPr>
+          <p:cNvSpPr>
+            <a:spLocks noGrp="1"/>
+          </p:cNvSpPr>
+          <p:nvPr>
+            <p:ph type="title"/>
+          </p:nvPr>
+        </p:nvSpPr>
+        <p:spPr/>
+        <p:txBody>
+          <a:bodyPr/>
+          <a:lstStyle/>
+          <a:p>
+            <a:r>
+              <a:rPr lang="de-DE" dirty="0"/>
+              <a:t>Optimierung eines neuronalen Netzes:</a:t>
+            </a:r>
+          </a:p>
+        </p:txBody>
+      </p:sp>
+      <p:sp>
+        <p:nvSpPr>
+          <p:cNvPr id="3" name="Inhaltsplatzhalter 2">
+            <a:extLst>
+              <a:ext uri="{FF2B5EF4-FFF2-40B4-BE49-F238E27FC236}">
+                <a16:creationId xmlns:a16="http://schemas.microsoft.com/office/drawing/2014/main" id="{92BCCD00-C4DD-B23E-DA10-5A4D725B6C43}"/>
+              </a:ext>
+            </a:extLst>
+          </p:cNvPr>
+          <p:cNvSpPr>
+            <a:spLocks noGrp="1"/>
+          </p:cNvSpPr>
+          <p:nvPr>
+            <p:ph idx="1"/>
+          </p:nvPr>
+        </p:nvSpPr>
+        <p:spPr/>
+        <p:txBody>
+          <a:bodyPr/>
+          <a:lstStyle/>
+          <a:p>
+            <a:pPr marL="514350" indent="-514350">
+              <a:buFont typeface="+mj-lt"/>
+              <a:buAutoNum type="alphaLcParenR" startAt="4"/>
+            </a:pPr>
+            <a:r>
+              <a:rPr lang="de-DE" dirty="0"/>
+              <a:t>MAPE für Validierungsdatensatz nach Warengruppen gefiltert</a:t>
+            </a:r>
+          </a:p>
+          <a:p>
+            <a:pPr marL="0" indent="0">
+              <a:buNone/>
+            </a:pPr>
+            <a:endParaRPr lang="de-DE" dirty="0"/>
+          </a:p>
+          <a:p>
+            <a:pPr marL="514350" indent="-514350">
+              <a:buFont typeface="+mj-lt"/>
+              <a:buAutoNum type="alphaLcParenR" startAt="3"/>
+            </a:pPr>
+            <a:endParaRPr lang="de-DE" dirty="0"/>
+          </a:p>
+          <a:p>
+            <a:pPr marL="514350" indent="-514350">
+              <a:buFont typeface="+mj-lt"/>
+              <a:buAutoNum type="alphaLcParenR" startAt="3"/>
+            </a:pPr>
+            <a:endParaRPr lang="de-DE" dirty="0"/>
+          </a:p>
+          <a:p>
+            <a:pPr marL="0" indent="0">
+              <a:buNone/>
+            </a:pPr>
+            <a:endParaRPr lang="de-DE" dirty="0"/>
+          </a:p>
+        </p:txBody>
+      </p:sp>
+      <p:pic>
+        <p:nvPicPr>
+          <p:cNvPr id="6" name="Grafik 5">
+            <a:extLst>
+              <a:ext uri="{FF2B5EF4-FFF2-40B4-BE49-F238E27FC236}">
+                <a16:creationId xmlns:a16="http://schemas.microsoft.com/office/drawing/2014/main" id="{2F3C3550-D364-8560-0161-24461E0DFB14}"/>
+              </a:ext>
+            </a:extLst>
+          </p:cNvPr>
+          <p:cNvPicPr>
+            <a:picLocks noChangeAspect="1"/>
+          </p:cNvPicPr>
+          <p:nvPr/>
+        </p:nvPicPr>
+        <p:blipFill>
+          <a:blip r:embed="rId2"/>
+          <a:stretch>
+            <a:fillRect/>
+          </a:stretch>
+        </p:blipFill>
+        <p:spPr>
+          <a:xfrm>
+            <a:off x="779479" y="3136052"/>
+            <a:ext cx="2354141" cy="3271245"/>
+          </a:xfrm>
+          <a:prstGeom prst="rect">
+            <a:avLst/>
+          </a:prstGeom>
+        </p:spPr>
+      </p:pic>
+      <p:pic>
+        <p:nvPicPr>
+          <p:cNvPr id="9" name="Grafik 8">
+            <a:extLst>
+              <a:ext uri="{FF2B5EF4-FFF2-40B4-BE49-F238E27FC236}">
+                <a16:creationId xmlns:a16="http://schemas.microsoft.com/office/drawing/2014/main" id="{4245C52C-84C2-DE19-2801-6EF2543DCAC8}"/>
+              </a:ext>
+            </a:extLst>
+          </p:cNvPr>
+          <p:cNvPicPr>
+            <a:picLocks noChangeAspect="1"/>
+          </p:cNvPicPr>
+          <p:nvPr/>
+        </p:nvPicPr>
+        <p:blipFill>
+          <a:blip r:embed="rId3"/>
+          <a:stretch>
+            <a:fillRect/>
+          </a:stretch>
+        </p:blipFill>
+        <p:spPr>
+          <a:xfrm>
+            <a:off x="4686208" y="3097955"/>
+            <a:ext cx="2354142" cy="3390257"/>
+          </a:xfrm>
+          <a:prstGeom prst="rect">
+            <a:avLst/>
+          </a:prstGeom>
+        </p:spPr>
+      </p:pic>
+      <p:pic>
+        <p:nvPicPr>
+          <p:cNvPr id="11" name="Grafik 10">
+            <a:extLst>
+              <a:ext uri="{FF2B5EF4-FFF2-40B4-BE49-F238E27FC236}">
+                <a16:creationId xmlns:a16="http://schemas.microsoft.com/office/drawing/2014/main" id="{EE118C2E-06FD-B612-0E4B-E8F20A0D8FAD}"/>
+              </a:ext>
+            </a:extLst>
+          </p:cNvPr>
+          <p:cNvPicPr>
+            <a:picLocks noChangeAspect="1"/>
+          </p:cNvPicPr>
+          <p:nvPr/>
+        </p:nvPicPr>
+        <p:blipFill>
+          <a:blip r:embed="rId4"/>
+          <a:stretch>
+            <a:fillRect/>
+          </a:stretch>
+        </p:blipFill>
+        <p:spPr>
+          <a:xfrm>
+            <a:off x="8595795" y="3201306"/>
+            <a:ext cx="2377137" cy="3286906"/>
+          </a:xfrm>
+          <a:prstGeom prst="rect">
+            <a:avLst/>
+          </a:prstGeom>
+        </p:spPr>
+      </p:pic>
+      <p:sp>
+        <p:nvSpPr>
+          <p:cNvPr id="12" name="Rechteck 11">
+            <a:extLst>
+              <a:ext uri="{FF2B5EF4-FFF2-40B4-BE49-F238E27FC236}">
+                <a16:creationId xmlns:a16="http://schemas.microsoft.com/office/drawing/2014/main" id="{BC72DC17-539B-EEA1-817D-89813CC4B451}"/>
+              </a:ext>
+            </a:extLst>
+          </p:cNvPr>
+          <p:cNvSpPr/>
+          <p:nvPr/>
+        </p:nvSpPr>
+        <p:spPr>
+          <a:xfrm>
+            <a:off x="731520" y="3429000"/>
+            <a:ext cx="1415627" cy="140547"/>
+          </a:xfrm>
+          <a:prstGeom prst="rect">
+            <a:avLst/>
+          </a:prstGeom>
+          <a:noFill/>
+          <a:ln>
+            <a:solidFill>
+              <a:srgbClr val="00B050"/>
+            </a:solidFill>
+          </a:ln>
+        </p:spPr>
+        <p:style>
+          <a:lnRef idx="2">
+            <a:schemeClr val="accent1">
+              <a:shade val="15000"/>
+            </a:schemeClr>
+          </a:lnRef>
+          <a:fillRef idx="1">
+            <a:schemeClr val="accent1"/>
+          </a:fillRef>
+          <a:effectRef idx="0">
+            <a:schemeClr val="accent1"/>
+          </a:effectRef>
+          <a:fontRef idx="minor">
+            <a:schemeClr val="lt1"/>
+          </a:fontRef>
+        </p:style>
+        <p:txBody>
+          <a:bodyPr rtlCol="0" anchor="ctr"/>
+          <a:lstStyle/>
+          <a:p>
+            <a:pPr algn="ctr"/>
+            <a:endParaRPr lang="de-DE"/>
+          </a:p>
+        </p:txBody>
+      </p:sp>
+      <p:sp>
+        <p:nvSpPr>
+          <p:cNvPr id="13" name="Rechteck 12">
+            <a:extLst>
+              <a:ext uri="{FF2B5EF4-FFF2-40B4-BE49-F238E27FC236}">
+                <a16:creationId xmlns:a16="http://schemas.microsoft.com/office/drawing/2014/main" id="{E94F3C49-1E56-9F46-9C23-BB43696FCEC7}"/>
+              </a:ext>
+            </a:extLst>
+          </p:cNvPr>
+          <p:cNvSpPr/>
+          <p:nvPr/>
+        </p:nvSpPr>
+        <p:spPr>
+          <a:xfrm>
+            <a:off x="745600" y="5094668"/>
+            <a:ext cx="1415627" cy="140547"/>
+          </a:xfrm>
+          <a:prstGeom prst="rect">
+            <a:avLst/>
+          </a:prstGeom>
+          <a:noFill/>
+          <a:ln>
+            <a:solidFill>
+              <a:srgbClr val="00B050"/>
+            </a:solidFill>
+          </a:ln>
+        </p:spPr>
+        <p:style>
+          <a:lnRef idx="2">
+            <a:schemeClr val="accent1">
+              <a:shade val="15000"/>
+            </a:schemeClr>
+          </a:lnRef>
+          <a:fillRef idx="1">
+            <a:schemeClr val="accent1"/>
+          </a:fillRef>
+          <a:effectRef idx="0">
+            <a:schemeClr val="accent1"/>
+          </a:effectRef>
+          <a:fontRef idx="minor">
+            <a:schemeClr val="lt1"/>
+          </a:fontRef>
+        </p:style>
+        <p:txBody>
+          <a:bodyPr rtlCol="0" anchor="ctr"/>
+          <a:lstStyle/>
+          <a:p>
+            <a:pPr algn="ctr"/>
+            <a:endParaRPr lang="de-DE"/>
+          </a:p>
+        </p:txBody>
+      </p:sp>
+      <p:sp>
+        <p:nvSpPr>
+          <p:cNvPr id="14" name="Rechteck 13">
+            <a:extLst>
+              <a:ext uri="{FF2B5EF4-FFF2-40B4-BE49-F238E27FC236}">
+                <a16:creationId xmlns:a16="http://schemas.microsoft.com/office/drawing/2014/main" id="{4C89DC30-F272-1A40-15BE-A02E70733EF3}"/>
+              </a:ext>
+            </a:extLst>
+          </p:cNvPr>
+          <p:cNvSpPr/>
+          <p:nvPr/>
+        </p:nvSpPr>
+        <p:spPr>
+          <a:xfrm>
+            <a:off x="4686208" y="3499273"/>
+            <a:ext cx="1415627" cy="140547"/>
+          </a:xfrm>
+          <a:prstGeom prst="rect">
+            <a:avLst/>
+          </a:prstGeom>
+          <a:noFill/>
+          <a:ln>
+            <a:solidFill>
+              <a:srgbClr val="00B050"/>
+            </a:solidFill>
+          </a:ln>
+        </p:spPr>
+        <p:style>
+          <a:lnRef idx="2">
+            <a:schemeClr val="accent1">
+              <a:shade val="15000"/>
+            </a:schemeClr>
+          </a:lnRef>
+          <a:fillRef idx="1">
+            <a:schemeClr val="accent1"/>
+          </a:fillRef>
+          <a:effectRef idx="0">
+            <a:schemeClr val="accent1"/>
+          </a:effectRef>
+          <a:fontRef idx="minor">
+            <a:schemeClr val="lt1"/>
+          </a:fontRef>
+        </p:style>
+        <p:txBody>
+          <a:bodyPr rtlCol="0" anchor="ctr"/>
+          <a:lstStyle/>
+          <a:p>
+            <a:pPr algn="ctr"/>
+            <a:endParaRPr lang="de-DE"/>
+          </a:p>
+        </p:txBody>
+      </p:sp>
+      <p:sp>
+        <p:nvSpPr>
+          <p:cNvPr id="15" name="Rechteck 14">
+            <a:extLst>
+              <a:ext uri="{FF2B5EF4-FFF2-40B4-BE49-F238E27FC236}">
+                <a16:creationId xmlns:a16="http://schemas.microsoft.com/office/drawing/2014/main" id="{D8F45416-3D30-FB12-8ABB-039AA4884C71}"/>
+              </a:ext>
+            </a:extLst>
+          </p:cNvPr>
+          <p:cNvSpPr/>
+          <p:nvPr/>
+        </p:nvSpPr>
+        <p:spPr>
+          <a:xfrm>
+            <a:off x="4686208" y="5211072"/>
+            <a:ext cx="1415627" cy="140547"/>
+          </a:xfrm>
+          <a:prstGeom prst="rect">
+            <a:avLst/>
+          </a:prstGeom>
+          <a:noFill/>
+          <a:ln>
+            <a:solidFill>
+              <a:srgbClr val="00B050"/>
+            </a:solidFill>
+          </a:ln>
+        </p:spPr>
+        <p:style>
+          <a:lnRef idx="2">
+            <a:schemeClr val="accent1">
+              <a:shade val="15000"/>
+            </a:schemeClr>
+          </a:lnRef>
+          <a:fillRef idx="1">
+            <a:schemeClr val="accent1"/>
+          </a:fillRef>
+          <a:effectRef idx="0">
+            <a:schemeClr val="accent1"/>
+          </a:effectRef>
+          <a:fontRef idx="minor">
+            <a:schemeClr val="lt1"/>
+          </a:fontRef>
+        </p:style>
+        <p:txBody>
+          <a:bodyPr rtlCol="0" anchor="ctr"/>
+          <a:lstStyle/>
+          <a:p>
+            <a:pPr algn="ctr"/>
+            <a:endParaRPr lang="de-DE"/>
+          </a:p>
+        </p:txBody>
+      </p:sp>
+      <p:sp>
+        <p:nvSpPr>
+          <p:cNvPr id="16" name="Rechteck 15">
+            <a:extLst>
+              <a:ext uri="{FF2B5EF4-FFF2-40B4-BE49-F238E27FC236}">
+                <a16:creationId xmlns:a16="http://schemas.microsoft.com/office/drawing/2014/main" id="{20694F57-0FC9-2FE2-FC4C-2ADBC37D9E84}"/>
+              </a:ext>
+            </a:extLst>
+          </p:cNvPr>
+          <p:cNvSpPr/>
+          <p:nvPr/>
+        </p:nvSpPr>
+        <p:spPr>
+          <a:xfrm>
+            <a:off x="8629226" y="3602798"/>
+            <a:ext cx="1415627" cy="140547"/>
+          </a:xfrm>
+          <a:prstGeom prst="rect">
+            <a:avLst/>
+          </a:prstGeom>
+          <a:noFill/>
+          <a:ln>
+            <a:solidFill>
+              <a:srgbClr val="00B050"/>
+            </a:solidFill>
+          </a:ln>
+        </p:spPr>
+        <p:style>
+          <a:lnRef idx="2">
+            <a:schemeClr val="accent1">
+              <a:shade val="15000"/>
+            </a:schemeClr>
+          </a:lnRef>
+          <a:fillRef idx="1">
+            <a:schemeClr val="accent1"/>
+          </a:fillRef>
+          <a:effectRef idx="0">
+            <a:schemeClr val="accent1"/>
+          </a:effectRef>
+          <a:fontRef idx="minor">
+            <a:schemeClr val="lt1"/>
+          </a:fontRef>
+        </p:style>
+        <p:txBody>
+          <a:bodyPr rtlCol="0" anchor="ctr"/>
+          <a:lstStyle/>
+          <a:p>
+            <a:pPr algn="ctr"/>
+            <a:endParaRPr lang="de-DE"/>
+          </a:p>
+        </p:txBody>
+      </p:sp>
+      <p:sp>
+        <p:nvSpPr>
+          <p:cNvPr id="17" name="Rechteck 16">
+            <a:extLst>
+              <a:ext uri="{FF2B5EF4-FFF2-40B4-BE49-F238E27FC236}">
+                <a16:creationId xmlns:a16="http://schemas.microsoft.com/office/drawing/2014/main" id="{7CC104F1-0129-CB1D-185C-D5B04FF5F833}"/>
+              </a:ext>
+            </a:extLst>
+          </p:cNvPr>
+          <p:cNvSpPr/>
+          <p:nvPr/>
+        </p:nvSpPr>
+        <p:spPr>
+          <a:xfrm>
+            <a:off x="8688517" y="5309135"/>
+            <a:ext cx="1415627" cy="140547"/>
+          </a:xfrm>
+          <a:prstGeom prst="rect">
+            <a:avLst/>
+          </a:prstGeom>
+          <a:noFill/>
+          <a:ln>
+            <a:solidFill>
+              <a:srgbClr val="00B050"/>
+            </a:solidFill>
+          </a:ln>
+        </p:spPr>
+        <p:style>
+          <a:lnRef idx="2">
+            <a:schemeClr val="accent1">
+              <a:shade val="15000"/>
+            </a:schemeClr>
+          </a:lnRef>
+          <a:fillRef idx="1">
+            <a:schemeClr val="accent1"/>
+          </a:fillRef>
+          <a:effectRef idx="0">
+            <a:schemeClr val="accent1"/>
+          </a:effectRef>
+          <a:fontRef idx="minor">
+            <a:schemeClr val="lt1"/>
+          </a:fontRef>
+        </p:style>
+        <p:txBody>
+          <a:bodyPr rtlCol="0" anchor="ctr"/>
+          <a:lstStyle/>
+          <a:p>
+            <a:pPr algn="ctr"/>
+            <a:endParaRPr lang="de-DE"/>
+          </a:p>
+        </p:txBody>
+      </p:sp>
+    </p:spTree>
+    <p:extLst>
+      <p:ext uri="{BB962C8B-B14F-4D97-AF65-F5344CB8AC3E}">
+        <p14:creationId xmlns:p14="http://schemas.microsoft.com/office/powerpoint/2010/main" val="233519715"/>
+      </p:ext>
+    </p:extLst>
+  </p:cSld>
+  <p:clrMapOvr>
+    <a:masterClrMapping/>
+  </p:clrMapOvr>
+</p:sld>
+</file>
+
+<file path=ppt/slides/slide14.xml><?xml version="1.0" encoding="utf-8"?>
+<p:sld xmlns:a="http://schemas.openxmlformats.org/drawingml/2006/main" xmlns:r="http://schemas.openxmlformats.org/officeDocument/2006/relationships" xmlns:p="http://schemas.openxmlformats.org/presentationml/2006/main">
+  <p:cSld>
+    <p:spTree>
+      <p:nvGrpSpPr>
+        <p:cNvPr id="1" name=""/>
+        <p:cNvGrpSpPr/>
+        <p:nvPr/>
+      </p:nvGrpSpPr>
+      <p:grpSpPr>
+        <a:xfrm>
+          <a:off x="0" y="0"/>
+          <a:ext cx="0" cy="0"/>
+          <a:chOff x="0" y="0"/>
+          <a:chExt cx="0" cy="0"/>
+        </a:xfrm>
+      </p:grpSpPr>
+      <p:sp>
+        <p:nvSpPr>
+          <p:cNvPr id="2" name="Titel 1">
+            <a:extLst>
+              <a:ext uri="{FF2B5EF4-FFF2-40B4-BE49-F238E27FC236}">
                 <a16:creationId xmlns:a16="http://schemas.microsoft.com/office/drawing/2014/main" id="{BD7A183B-0228-0FB1-55EE-4A5B938D72F6}"/>
               </a:ext>
             </a:extLst>
@@ -4752,10 +5272,49 @@
           <a:bodyPr/>
           <a:lstStyle/>
           <a:p>
-            <a:endParaRPr lang="de-DE"/>
-          </a:p>
-        </p:txBody>
-      </p:sp>
+            <a:r>
+              <a:rPr lang="de-DE" dirty="0"/>
+              <a:t>Warengruppen nicht mehr als Kategorie</a:t>
+            </a:r>
+          </a:p>
+          <a:p>
+            <a:pPr marL="0" indent="0">
+              <a:buNone/>
+            </a:pPr>
+            <a:endParaRPr lang="de-DE" dirty="0"/>
+          </a:p>
+        </p:txBody>
+      </p:sp>
+      <p:pic>
+        <p:nvPicPr>
+          <p:cNvPr id="5" name="Grafik 4">
+            <a:extLst>
+              <a:ext uri="{FF2B5EF4-FFF2-40B4-BE49-F238E27FC236}">
+                <a16:creationId xmlns:a16="http://schemas.microsoft.com/office/drawing/2014/main" id="{D2FEE154-120A-5FC3-55A2-B9F7D269171D}"/>
+              </a:ext>
+            </a:extLst>
+          </p:cNvPr>
+          <p:cNvPicPr>
+            <a:picLocks noChangeAspect="1"/>
+          </p:cNvPicPr>
+          <p:nvPr/>
+        </p:nvPicPr>
+        <p:blipFill>
+          <a:blip r:embed="rId2"/>
+          <a:stretch>
+            <a:fillRect/>
+          </a:stretch>
+        </p:blipFill>
+        <p:spPr>
+          <a:xfrm>
+            <a:off x="3965465" y="3585754"/>
+            <a:ext cx="4261069" cy="603281"/>
+          </a:xfrm>
+          <a:prstGeom prst="rect">
+            <a:avLst/>
+          </a:prstGeom>
+        </p:spPr>
+      </p:pic>
     </p:spTree>
     <p:extLst>
       <p:ext uri="{BB962C8B-B14F-4D97-AF65-F5344CB8AC3E}">
@@ -4769,7 +5328,7 @@
 </p:sld>
 </file>
 
-<file path=ppt/slides/slide14.xml><?xml version="1.0" encoding="utf-8"?>
+<file path=ppt/slides/slide15.xml><?xml version="1.0" encoding="utf-8"?>
 <p:sld xmlns:a="http://schemas.openxmlformats.org/drawingml/2006/main" xmlns:r="http://schemas.openxmlformats.org/officeDocument/2006/relationships" xmlns:p="http://schemas.openxmlformats.org/presentationml/2006/main" show="0">
   <p:cSld>
     <p:spTree>
@@ -5934,7 +6493,7 @@
 </p:sld>
 </file>
 
-<file path=ppt/slides/slide15.xml><?xml version="1.0" encoding="utf-8"?>
+<file path=ppt/slides/slide16.xml><?xml version="1.0" encoding="utf-8"?>
 <p:sld xmlns:a="http://schemas.openxmlformats.org/drawingml/2006/main" xmlns:r="http://schemas.openxmlformats.org/officeDocument/2006/relationships" xmlns:p="http://schemas.openxmlformats.org/presentationml/2006/main" show="0">
   <p:cSld>
     <p:spTree>

--- a/4_Presentation/Präsentation Gruppe 2.pptx
+++ b/4_Presentation/Präsentation Gruppe 2.pptx
@@ -5,7 +5,7 @@
     <p:sldMasterId id="2147483675" r:id="rId1"/>
   </p:sldMasterIdLst>
   <p:notesMasterIdLst>
-    <p:notesMasterId r:id="rId18"/>
+    <p:notesMasterId r:id="rId16"/>
   </p:notesMasterIdLst>
   <p:sldIdLst>
     <p:sldId id="256" r:id="rId2"/>
@@ -22,8 +22,6 @@
     <p:sldId id="265" r:id="rId13"/>
     <p:sldId id="274" r:id="rId14"/>
     <p:sldId id="273" r:id="rId15"/>
-    <p:sldId id="261" r:id="rId16"/>
-    <p:sldId id="267" r:id="rId17"/>
   </p:sldIdLst>
   <p:sldSz cx="12192000" cy="6858000"/>
   <p:notesSz cx="6858000" cy="9144000"/>
@@ -141,12 +139,6 @@
             <p14:sldId id="265"/>
             <p14:sldId id="274"/>
             <p14:sldId id="273"/>
-          </p14:sldIdLst>
-        </p14:section>
-        <p14:section name="Anforderungen, Folien können weg" id="{02CB610C-A22B-4A46-8BB4-8DAB759AE9A7}">
-          <p14:sldIdLst>
-            <p14:sldId id="261"/>
-            <p14:sldId id="267"/>
           </p14:sldIdLst>
         </p14:section>
       </p14:sectionLst>
@@ -5319,1317 +5311,6 @@
     <p:extLst>
       <p:ext uri="{BB962C8B-B14F-4D97-AF65-F5344CB8AC3E}">
         <p14:creationId xmlns:p14="http://schemas.microsoft.com/office/powerpoint/2010/main" val="2377607424"/>
-      </p:ext>
-    </p:extLst>
-  </p:cSld>
-  <p:clrMapOvr>
-    <a:masterClrMapping/>
-  </p:clrMapOvr>
-</p:sld>
-</file>
-
-<file path=ppt/slides/slide15.xml><?xml version="1.0" encoding="utf-8"?>
-<p:sld xmlns:a="http://schemas.openxmlformats.org/drawingml/2006/main" xmlns:r="http://schemas.openxmlformats.org/officeDocument/2006/relationships" xmlns:p="http://schemas.openxmlformats.org/presentationml/2006/main" show="0">
-  <p:cSld>
-    <p:spTree>
-      <p:nvGrpSpPr>
-        <p:cNvPr id="1" name=""/>
-        <p:cNvGrpSpPr/>
-        <p:nvPr/>
-      </p:nvGrpSpPr>
-      <p:grpSpPr>
-        <a:xfrm>
-          <a:off x="0" y="0"/>
-          <a:ext cx="0" cy="0"/>
-          <a:chOff x="0" y="0"/>
-          <a:chExt cx="0" cy="0"/>
-        </a:xfrm>
-      </p:grpSpPr>
-      <p:sp>
-        <p:nvSpPr>
-          <p:cNvPr id="2" name="Titel 1">
-            <a:extLst>
-              <a:ext uri="{FF2B5EF4-FFF2-40B4-BE49-F238E27FC236}">
-                <a16:creationId xmlns:a16="http://schemas.microsoft.com/office/drawing/2014/main" id="{E9E950F8-DB2E-D2F6-B79E-B0A851C2CBBD}"/>
-              </a:ext>
-            </a:extLst>
-          </p:cNvPr>
-          <p:cNvSpPr>
-            <a:spLocks noGrp="1"/>
-          </p:cNvSpPr>
-          <p:nvPr>
-            <p:ph type="title"/>
-          </p:nvPr>
-        </p:nvSpPr>
-        <p:spPr/>
-        <p:txBody>
-          <a:bodyPr/>
-          <a:lstStyle/>
-          <a:p>
-            <a:r>
-              <a:rPr lang="de-DE" dirty="0"/>
-              <a:t>Repository: Datensatz, Programmcode und Präsentation</a:t>
-            </a:r>
-          </a:p>
-        </p:txBody>
-      </p:sp>
-      <p:sp>
-        <p:nvSpPr>
-          <p:cNvPr id="4" name="Rectangle 1">
-            <a:extLst>
-              <a:ext uri="{FF2B5EF4-FFF2-40B4-BE49-F238E27FC236}">
-                <a16:creationId xmlns:a16="http://schemas.microsoft.com/office/drawing/2014/main" id="{53B1886B-F027-AD3A-C0B7-7A29FC2C34CC}"/>
-              </a:ext>
-            </a:extLst>
-          </p:cNvPr>
-          <p:cNvSpPr>
-            <a:spLocks noGrp="1" noChangeArrowheads="1"/>
-          </p:cNvSpPr>
-          <p:nvPr>
-            <p:ph idx="1"/>
-          </p:nvPr>
-        </p:nvSpPr>
-        <p:spPr bwMode="auto">
-          <a:xfrm>
-            <a:off x="838200" y="2246968"/>
-            <a:ext cx="9899890" cy="3508653"/>
-          </a:xfrm>
-          <a:prstGeom prst="rect">
-            <a:avLst/>
-          </a:prstGeom>
-          <a:solidFill>
-            <a:srgbClr val="FFFFFF"/>
-          </a:solidFill>
-          <a:ln>
-            <a:noFill/>
-          </a:ln>
-          <a:effectLst/>
-          <a:extLst>
-            <a:ext uri="{91240B29-F687-4F45-9708-019B960494DF}">
-              <a14:hiddenLine xmlns:a14="http://schemas.microsoft.com/office/drawing/2010/main" w="9525">
-                <a:solidFill>
-                  <a:schemeClr val="tx1"/>
-                </a:solidFill>
-                <a:miter lim="800000"/>
-                <a:headEnd/>
-                <a:tailEnd/>
-              </a14:hiddenLine>
-            </a:ext>
-            <a:ext uri="{AF507438-7753-43E0-B8FC-AC1667EBCBE1}">
-              <a14:hiddenEffects xmlns:a14="http://schemas.microsoft.com/office/drawing/2010/main">
-                <a:effectLst>
-                  <a:outerShdw dist="35921" dir="2700000" algn="ctr" rotWithShape="0">
-                    <a:schemeClr val="bg2"/>
-                  </a:outerShdw>
-                </a:effectLst>
-              </a14:hiddenEffects>
-            </a:ext>
-          </a:extLst>
-        </p:spPr>
-        <p:txBody>
-          <a:bodyPr vert="horz" wrap="none" lIns="0" tIns="0" rIns="0" bIns="0" numCol="1" anchor="ctr" anchorCtr="0" compatLnSpc="1">
-            <a:prstTxWarp prst="textNoShape">
-              <a:avLst/>
-            </a:prstTxWarp>
-            <a:spAutoFit/>
-          </a:bodyPr>
-          <a:lstStyle>
-            <a:lvl1pPr eaLnBrk="0" fontAlgn="base" hangingPunct="0">
-              <a:spcBef>
-                <a:spcPct val="0"/>
-              </a:spcBef>
-              <a:spcAft>
-                <a:spcPct val="0"/>
-              </a:spcAft>
-              <a:defRPr>
-                <a:solidFill>
-                  <a:schemeClr val="tx1"/>
-                </a:solidFill>
-                <a:latin typeface="Arial" panose="020B0604020202020204" pitchFamily="34" charset="0"/>
-              </a:defRPr>
-            </a:lvl1pPr>
-            <a:lvl2pPr eaLnBrk="0" fontAlgn="base" hangingPunct="0">
-              <a:spcBef>
-                <a:spcPct val="0"/>
-              </a:spcBef>
-              <a:spcAft>
-                <a:spcPct val="0"/>
-              </a:spcAft>
-              <a:defRPr>
-                <a:solidFill>
-                  <a:schemeClr val="tx1"/>
-                </a:solidFill>
-                <a:latin typeface="Arial" panose="020B0604020202020204" pitchFamily="34" charset="0"/>
-              </a:defRPr>
-            </a:lvl2pPr>
-            <a:lvl3pPr eaLnBrk="0" fontAlgn="base" hangingPunct="0">
-              <a:spcBef>
-                <a:spcPct val="0"/>
-              </a:spcBef>
-              <a:spcAft>
-                <a:spcPct val="0"/>
-              </a:spcAft>
-              <a:defRPr>
-                <a:solidFill>
-                  <a:schemeClr val="tx1"/>
-                </a:solidFill>
-                <a:latin typeface="Arial" panose="020B0604020202020204" pitchFamily="34" charset="0"/>
-              </a:defRPr>
-            </a:lvl3pPr>
-            <a:lvl4pPr eaLnBrk="0" fontAlgn="base" hangingPunct="0">
-              <a:spcBef>
-                <a:spcPct val="0"/>
-              </a:spcBef>
-              <a:spcAft>
-                <a:spcPct val="0"/>
-              </a:spcAft>
-              <a:defRPr>
-                <a:solidFill>
-                  <a:schemeClr val="tx1"/>
-                </a:solidFill>
-                <a:latin typeface="Arial" panose="020B0604020202020204" pitchFamily="34" charset="0"/>
-              </a:defRPr>
-            </a:lvl4pPr>
-            <a:lvl5pPr eaLnBrk="0" fontAlgn="base" hangingPunct="0">
-              <a:spcBef>
-                <a:spcPct val="0"/>
-              </a:spcBef>
-              <a:spcAft>
-                <a:spcPct val="0"/>
-              </a:spcAft>
-              <a:defRPr>
-                <a:solidFill>
-                  <a:schemeClr val="tx1"/>
-                </a:solidFill>
-                <a:latin typeface="Arial" panose="020B0604020202020204" pitchFamily="34" charset="0"/>
-              </a:defRPr>
-            </a:lvl5pPr>
-            <a:lvl6pPr eaLnBrk="0" fontAlgn="base" hangingPunct="0">
-              <a:spcBef>
-                <a:spcPct val="0"/>
-              </a:spcBef>
-              <a:spcAft>
-                <a:spcPct val="0"/>
-              </a:spcAft>
-              <a:defRPr>
-                <a:solidFill>
-                  <a:schemeClr val="tx1"/>
-                </a:solidFill>
-                <a:latin typeface="Arial" panose="020B0604020202020204" pitchFamily="34" charset="0"/>
-              </a:defRPr>
-            </a:lvl6pPr>
-            <a:lvl7pPr eaLnBrk="0" fontAlgn="base" hangingPunct="0">
-              <a:spcBef>
-                <a:spcPct val="0"/>
-              </a:spcBef>
-              <a:spcAft>
-                <a:spcPct val="0"/>
-              </a:spcAft>
-              <a:defRPr>
-                <a:solidFill>
-                  <a:schemeClr val="tx1"/>
-                </a:solidFill>
-                <a:latin typeface="Arial" panose="020B0604020202020204" pitchFamily="34" charset="0"/>
-              </a:defRPr>
-            </a:lvl7pPr>
-            <a:lvl8pPr eaLnBrk="0" fontAlgn="base" hangingPunct="0">
-              <a:spcBef>
-                <a:spcPct val="0"/>
-              </a:spcBef>
-              <a:spcAft>
-                <a:spcPct val="0"/>
-              </a:spcAft>
-              <a:defRPr>
-                <a:solidFill>
-                  <a:schemeClr val="tx1"/>
-                </a:solidFill>
-                <a:latin typeface="Arial" panose="020B0604020202020204" pitchFamily="34" charset="0"/>
-              </a:defRPr>
-            </a:lvl8pPr>
-            <a:lvl9pPr eaLnBrk="0" fontAlgn="base" hangingPunct="0">
-              <a:spcBef>
-                <a:spcPct val="0"/>
-              </a:spcBef>
-              <a:spcAft>
-                <a:spcPct val="0"/>
-              </a:spcAft>
-              <a:defRPr>
-                <a:solidFill>
-                  <a:schemeClr val="tx1"/>
-                </a:solidFill>
-                <a:latin typeface="Arial" panose="020B0604020202020204" pitchFamily="34" charset="0"/>
-              </a:defRPr>
-            </a:lvl9pPr>
-          </a:lstStyle>
-          <a:p>
-            <a:pPr marL="0" marR="0" lvl="0" indent="0" algn="l" defTabSz="914400" rtl="0" eaLnBrk="0" fontAlgn="base" latinLnBrk="0" hangingPunct="0">
-              <a:lnSpc>
-                <a:spcPct val="100000"/>
-              </a:lnSpc>
-              <a:spcBef>
-                <a:spcPct val="0"/>
-              </a:spcBef>
-              <a:spcAft>
-                <a:spcPct val="0"/>
-              </a:spcAft>
-              <a:buClrTx/>
-              <a:buSzTx/>
-              <a:buFontTx/>
-              <a:buNone/>
-              <a:tabLst/>
-            </a:pPr>
-            <a:r>
-              <a:rPr kumimoji="0" lang="de-DE" altLang="de-DE" sz="3000" b="1" i="0" u="none" strike="noStrike" cap="none" normalizeH="0" baseline="0" dirty="0">
-                <a:ln>
-                  <a:noFill/>
-                </a:ln>
-                <a:solidFill>
-                  <a:srgbClr val="000000"/>
-                </a:solidFill>
-                <a:effectLst/>
-                <a:latin typeface="gitbook-content-font"/>
-                <a:cs typeface="Times New Roman" panose="02020603050405020304" pitchFamily="18" charset="0"/>
-              </a:rPr>
-              <a:t>Woche 10 - Projektpräsentationen</a:t>
-            </a:r>
-          </a:p>
-          <a:p>
-            <a:pPr marL="0" marR="0" lvl="0" indent="0" algn="l" defTabSz="914400" rtl="0" eaLnBrk="0" fontAlgn="base" latinLnBrk="0" hangingPunct="0">
-              <a:lnSpc>
-                <a:spcPct val="100000"/>
-              </a:lnSpc>
-              <a:spcBef>
-                <a:spcPct val="0"/>
-              </a:spcBef>
-              <a:spcAft>
-                <a:spcPct val="0"/>
-              </a:spcAft>
-              <a:buClrTx/>
-              <a:buSzTx/>
-              <a:buFontTx/>
-              <a:buNone/>
-              <a:tabLst/>
-            </a:pPr>
-            <a:r>
-              <a:rPr kumimoji="0" lang="de-DE" altLang="de-DE" sz="1200" b="0" i="0" u="none" strike="noStrike" cap="none" normalizeH="0" baseline="0" dirty="0">
-                <a:ln>
-                  <a:noFill/>
-                </a:ln>
-                <a:solidFill>
-                  <a:srgbClr val="000000"/>
-                </a:solidFill>
-                <a:effectLst/>
-                <a:latin typeface="gitbook-content-font"/>
-                <a:cs typeface="Times New Roman" panose="02020603050405020304" pitchFamily="18" charset="0"/>
-              </a:rPr>
-              <a:t>Jedes Team hält eine 8 oder 10-minütige Abschlusspräsentation (genau Info erfolgt in der Vorwoche - bitte darauf achten, dass Ihr die Länge einhaltet!) </a:t>
-            </a:r>
-            <a:br>
-              <a:rPr kumimoji="0" lang="de-DE" altLang="de-DE" sz="1200" b="0" i="0" u="none" strike="noStrike" cap="none" normalizeH="0" baseline="0" dirty="0">
-                <a:ln>
-                  <a:noFill/>
-                </a:ln>
-                <a:solidFill>
-                  <a:srgbClr val="000000"/>
-                </a:solidFill>
-                <a:effectLst/>
-                <a:latin typeface="gitbook-content-font"/>
-                <a:cs typeface="Times New Roman" panose="02020603050405020304" pitchFamily="18" charset="0"/>
-              </a:rPr>
-            </a:br>
-            <a:r>
-              <a:rPr kumimoji="0" lang="de-DE" altLang="de-DE" sz="1200" b="0" i="0" u="none" strike="noStrike" cap="none" normalizeH="0" baseline="0" dirty="0">
-                <a:ln>
-                  <a:noFill/>
-                </a:ln>
-                <a:solidFill>
-                  <a:srgbClr val="000000"/>
-                </a:solidFill>
-                <a:effectLst/>
-                <a:latin typeface="gitbook-content-font"/>
-                <a:cs typeface="Times New Roman" panose="02020603050405020304" pitchFamily="18" charset="0"/>
-              </a:rPr>
-              <a:t>mit den im Folgenden aufgeführten Inhalten.</a:t>
-            </a:r>
-            <a:endParaRPr kumimoji="0" lang="de-DE" altLang="de-DE" sz="800" b="0" i="0" u="none" strike="noStrike" cap="none" normalizeH="0" baseline="0" dirty="0">
-              <a:ln>
-                <a:noFill/>
-              </a:ln>
-              <a:solidFill>
-                <a:srgbClr val="000000"/>
-              </a:solidFill>
-              <a:effectLst/>
-              <a:latin typeface="Times New Roman" panose="02020603050405020304" pitchFamily="18" charset="0"/>
-              <a:cs typeface="Times New Roman" panose="02020603050405020304" pitchFamily="18" charset="0"/>
-            </a:endParaRPr>
-          </a:p>
-          <a:p>
-            <a:pPr marL="0" marR="0" lvl="0" indent="0" algn="l" defTabSz="914400" rtl="0" eaLnBrk="0" fontAlgn="base" latinLnBrk="0" hangingPunct="0">
-              <a:lnSpc>
-                <a:spcPct val="100000"/>
-              </a:lnSpc>
-              <a:spcBef>
-                <a:spcPct val="0"/>
-              </a:spcBef>
-              <a:spcAft>
-                <a:spcPct val="0"/>
-              </a:spcAft>
-              <a:buClrTx/>
-              <a:buSzTx/>
-              <a:buFontTx/>
-              <a:buNone/>
-              <a:tabLst/>
-            </a:pPr>
-            <a:r>
-              <a:rPr kumimoji="0" lang="de-DE" altLang="de-DE" sz="1200" b="1" i="0" u="none" strike="noStrike" cap="none" normalizeH="0" baseline="0" dirty="0">
-                <a:ln>
-                  <a:noFill/>
-                </a:ln>
-                <a:solidFill>
-                  <a:srgbClr val="000000"/>
-                </a:solidFill>
-                <a:effectLst/>
-                <a:latin typeface="gitbook-content-font"/>
-                <a:cs typeface="Times New Roman" panose="02020603050405020304" pitchFamily="18" charset="0"/>
-              </a:rPr>
-              <a:t>Präsentation (</a:t>
-            </a:r>
-            <a:r>
-              <a:rPr kumimoji="0" lang="de-DE" altLang="de-DE" sz="1200" b="1" i="0" u="none" strike="noStrike" cap="none" normalizeH="0" baseline="0" dirty="0" err="1">
-                <a:ln>
-                  <a:noFill/>
-                </a:ln>
-                <a:solidFill>
-                  <a:srgbClr val="000000"/>
-                </a:solidFill>
-                <a:effectLst/>
-                <a:latin typeface="gitbook-content-font"/>
-                <a:cs typeface="Times New Roman" panose="02020603050405020304" pitchFamily="18" charset="0"/>
-              </a:rPr>
-              <a:t>Powerpoint</a:t>
-            </a:r>
-            <a:r>
-              <a:rPr kumimoji="0" lang="de-DE" altLang="de-DE" sz="1200" b="1" i="0" u="none" strike="noStrike" cap="none" normalizeH="0" baseline="0" dirty="0">
-                <a:ln>
-                  <a:noFill/>
-                </a:ln>
-                <a:solidFill>
-                  <a:srgbClr val="000000"/>
-                </a:solidFill>
-                <a:effectLst/>
-                <a:latin typeface="gitbook-content-font"/>
-                <a:cs typeface="Times New Roman" panose="02020603050405020304" pitchFamily="18" charset="0"/>
-              </a:rPr>
-              <a:t>, </a:t>
-            </a:r>
-            <a:r>
-              <a:rPr kumimoji="0" lang="de-DE" altLang="de-DE" sz="1200" b="1" i="0" u="none" strike="noStrike" cap="none" normalizeH="0" baseline="0" dirty="0" err="1">
-                <a:ln>
-                  <a:noFill/>
-                </a:ln>
-                <a:solidFill>
-                  <a:srgbClr val="000000"/>
-                </a:solidFill>
-                <a:effectLst/>
-                <a:latin typeface="gitbook-content-font"/>
-                <a:cs typeface="Times New Roman" panose="02020603050405020304" pitchFamily="18" charset="0"/>
-              </a:rPr>
-              <a:t>Keybote</a:t>
-            </a:r>
-            <a:r>
-              <a:rPr kumimoji="0" lang="de-DE" altLang="de-DE" sz="1200" b="1" i="0" u="none" strike="noStrike" cap="none" normalizeH="0" baseline="0" dirty="0">
-                <a:ln>
-                  <a:noFill/>
-                </a:ln>
-                <a:solidFill>
-                  <a:srgbClr val="000000"/>
-                </a:solidFill>
-                <a:effectLst/>
-                <a:latin typeface="gitbook-content-font"/>
-                <a:cs typeface="Times New Roman" panose="02020603050405020304" pitchFamily="18" charset="0"/>
-              </a:rPr>
-              <a:t> oder ähnliches)</a:t>
-            </a:r>
-            <a:endParaRPr kumimoji="0" lang="de-DE" altLang="de-DE" sz="800" b="1" i="0" u="none" strike="noStrike" cap="none" normalizeH="0" baseline="0" dirty="0">
-              <a:ln>
-                <a:noFill/>
-              </a:ln>
-              <a:solidFill>
-                <a:srgbClr val="000000"/>
-              </a:solidFill>
-              <a:effectLst/>
-              <a:latin typeface="Times New Roman" panose="02020603050405020304" pitchFamily="18" charset="0"/>
-              <a:cs typeface="Times New Roman" panose="02020603050405020304" pitchFamily="18" charset="0"/>
-            </a:endParaRPr>
-          </a:p>
-          <a:p>
-            <a:pPr marL="0" marR="0" lvl="0" indent="0" algn="l" defTabSz="914400" rtl="0" eaLnBrk="0" fontAlgn="base" latinLnBrk="0" hangingPunct="0">
-              <a:lnSpc>
-                <a:spcPct val="100000"/>
-              </a:lnSpc>
-              <a:spcBef>
-                <a:spcPct val="0"/>
-              </a:spcBef>
-              <a:spcAft>
-                <a:spcPct val="0"/>
-              </a:spcAft>
-              <a:buClrTx/>
-              <a:buSzTx/>
-              <a:buFontTx/>
-              <a:buChar char="•"/>
-              <a:tabLst/>
-            </a:pPr>
-            <a:r>
-              <a:rPr kumimoji="0" lang="de-DE" altLang="de-DE" sz="1200" b="0" i="0" u="none" strike="noStrike" cap="none" normalizeH="0" baseline="0" dirty="0">
-                <a:ln>
-                  <a:noFill/>
-                </a:ln>
-                <a:solidFill>
-                  <a:srgbClr val="000000"/>
-                </a:solidFill>
-                <a:effectLst/>
-                <a:latin typeface="gitbook-content-font"/>
-                <a:cs typeface="Times New Roman" panose="02020603050405020304" pitchFamily="18" charset="0"/>
-              </a:rPr>
-              <a:t>Eure Namen auf der Titelseite</a:t>
-            </a:r>
-            <a:endParaRPr kumimoji="0" lang="de-DE" altLang="de-DE" sz="800" b="0" i="0" u="none" strike="noStrike" cap="none" normalizeH="0" baseline="0" dirty="0">
-              <a:ln>
-                <a:noFill/>
-              </a:ln>
-              <a:solidFill>
-                <a:srgbClr val="000000"/>
-              </a:solidFill>
-              <a:effectLst/>
-              <a:latin typeface="Times New Roman" panose="02020603050405020304" pitchFamily="18" charset="0"/>
-              <a:cs typeface="Times New Roman" panose="02020603050405020304" pitchFamily="18" charset="0"/>
-            </a:endParaRPr>
-          </a:p>
-          <a:p>
-            <a:pPr marL="0" marR="0" lvl="0" indent="0" algn="l" defTabSz="914400" rtl="0" eaLnBrk="0" fontAlgn="base" latinLnBrk="0" hangingPunct="0">
-              <a:lnSpc>
-                <a:spcPct val="100000"/>
-              </a:lnSpc>
-              <a:spcBef>
-                <a:spcPct val="0"/>
-              </a:spcBef>
-              <a:spcAft>
-                <a:spcPct val="0"/>
-              </a:spcAft>
-              <a:buClrTx/>
-              <a:buSzTx/>
-              <a:buFontTx/>
-              <a:buChar char="•"/>
-              <a:tabLst/>
-            </a:pPr>
-            <a:r>
-              <a:rPr kumimoji="0" lang="de-DE" altLang="de-DE" sz="1200" b="0" i="0" u="none" strike="noStrike" cap="none" normalizeH="0" baseline="0" dirty="0">
-                <a:ln>
-                  <a:noFill/>
-                </a:ln>
-                <a:solidFill>
-                  <a:srgbClr val="000000"/>
-                </a:solidFill>
-                <a:effectLst/>
-                <a:latin typeface="gitbook-content-font"/>
-                <a:cs typeface="Times New Roman" panose="02020603050405020304" pitchFamily="18" charset="0"/>
-              </a:rPr>
-              <a:t>Auflistung und kurze Beschreibung der selbst erstellten Variablen</a:t>
-            </a:r>
-            <a:endParaRPr kumimoji="0" lang="de-DE" altLang="de-DE" sz="800" b="0" i="0" u="none" strike="noStrike" cap="none" normalizeH="0" baseline="0" dirty="0">
-              <a:ln>
-                <a:noFill/>
-              </a:ln>
-              <a:solidFill>
-                <a:srgbClr val="000000"/>
-              </a:solidFill>
-              <a:effectLst/>
-              <a:latin typeface="Times New Roman" panose="02020603050405020304" pitchFamily="18" charset="0"/>
-              <a:cs typeface="Times New Roman" panose="02020603050405020304" pitchFamily="18" charset="0"/>
-            </a:endParaRPr>
-          </a:p>
-          <a:p>
-            <a:pPr marL="0" marR="0" lvl="0" indent="0" algn="l" defTabSz="914400" rtl="0" eaLnBrk="0" fontAlgn="base" latinLnBrk="0" hangingPunct="0">
-              <a:lnSpc>
-                <a:spcPct val="100000"/>
-              </a:lnSpc>
-              <a:spcBef>
-                <a:spcPct val="0"/>
-              </a:spcBef>
-              <a:spcAft>
-                <a:spcPct val="0"/>
-              </a:spcAft>
-              <a:buClrTx/>
-              <a:buSzTx/>
-              <a:buFontTx/>
-              <a:buChar char="•"/>
-              <a:tabLst/>
-            </a:pPr>
-            <a:r>
-              <a:rPr kumimoji="0" lang="de-DE" altLang="de-DE" sz="1200" b="0" i="0" u="none" strike="noStrike" cap="none" normalizeH="0" baseline="0" dirty="0">
-                <a:ln>
-                  <a:noFill/>
-                </a:ln>
-                <a:solidFill>
-                  <a:srgbClr val="000000"/>
-                </a:solidFill>
-                <a:effectLst/>
-                <a:latin typeface="gitbook-content-font"/>
-                <a:cs typeface="Times New Roman" panose="02020603050405020304" pitchFamily="18" charset="0"/>
-              </a:rPr>
-              <a:t>Balkendiagramme mit Konfidenzintervallen für zwei selbst erstellte Variablen</a:t>
-            </a:r>
-            <a:endParaRPr kumimoji="0" lang="de-DE" altLang="de-DE" sz="800" b="0" i="0" u="none" strike="noStrike" cap="none" normalizeH="0" baseline="0" dirty="0">
-              <a:ln>
-                <a:noFill/>
-              </a:ln>
-              <a:solidFill>
-                <a:srgbClr val="000000"/>
-              </a:solidFill>
-              <a:effectLst/>
-              <a:latin typeface="Times New Roman" panose="02020603050405020304" pitchFamily="18" charset="0"/>
-              <a:cs typeface="Times New Roman" panose="02020603050405020304" pitchFamily="18" charset="0"/>
-            </a:endParaRPr>
-          </a:p>
-          <a:p>
-            <a:pPr marL="0" marR="0" lvl="0" indent="0" algn="l" defTabSz="914400" rtl="0" eaLnBrk="0" fontAlgn="base" latinLnBrk="0" hangingPunct="0">
-              <a:lnSpc>
-                <a:spcPct val="100000"/>
-              </a:lnSpc>
-              <a:spcBef>
-                <a:spcPct val="0"/>
-              </a:spcBef>
-              <a:spcAft>
-                <a:spcPct val="0"/>
-              </a:spcAft>
-              <a:buClrTx/>
-              <a:buSzTx/>
-              <a:buFontTx/>
-              <a:buChar char="•"/>
-              <a:tabLst/>
-            </a:pPr>
-            <a:r>
-              <a:rPr kumimoji="0" lang="de-DE" altLang="de-DE" sz="1200" b="0" i="0" u="none" strike="noStrike" cap="none" normalizeH="0" baseline="0" dirty="0">
-                <a:ln>
-                  <a:noFill/>
-                </a:ln>
-                <a:solidFill>
-                  <a:srgbClr val="000000"/>
-                </a:solidFill>
-                <a:effectLst/>
-                <a:latin typeface="gitbook-content-font"/>
-                <a:cs typeface="Times New Roman" panose="02020603050405020304" pitchFamily="18" charset="0"/>
-              </a:rPr>
-              <a:t>Optimierung des linearen Modells: Modellgleichung und </a:t>
-            </a:r>
-            <a:r>
-              <a:rPr kumimoji="0" lang="de-DE" altLang="de-DE" sz="1200" b="0" i="0" u="none" strike="noStrike" cap="none" normalizeH="0" baseline="0" dirty="0" err="1">
-                <a:ln>
-                  <a:noFill/>
-                </a:ln>
-                <a:solidFill>
-                  <a:srgbClr val="000000"/>
-                </a:solidFill>
-                <a:effectLst/>
-                <a:latin typeface="gitbook-content-font"/>
-                <a:cs typeface="Times New Roman" panose="02020603050405020304" pitchFamily="18" charset="0"/>
-              </a:rPr>
-              <a:t>adjusted</a:t>
-            </a:r>
-            <a:r>
-              <a:rPr kumimoji="0" lang="de-DE" altLang="de-DE" sz="1200" b="0" i="0" u="none" strike="noStrike" cap="none" normalizeH="0" baseline="0" dirty="0">
-                <a:ln>
-                  <a:noFill/>
-                </a:ln>
-                <a:solidFill>
-                  <a:srgbClr val="000000"/>
-                </a:solidFill>
-                <a:effectLst/>
-                <a:latin typeface="gitbook-content-font"/>
-                <a:cs typeface="Times New Roman" panose="02020603050405020304" pitchFamily="18" charset="0"/>
-              </a:rPr>
-              <a:t> r²</a:t>
-            </a:r>
-            <a:endParaRPr kumimoji="0" lang="de-DE" altLang="de-DE" sz="800" b="0" i="0" u="none" strike="noStrike" cap="none" normalizeH="0" baseline="0" dirty="0">
-              <a:ln>
-                <a:noFill/>
-              </a:ln>
-              <a:solidFill>
-                <a:srgbClr val="000000"/>
-              </a:solidFill>
-              <a:effectLst/>
-              <a:latin typeface="Times New Roman" panose="02020603050405020304" pitchFamily="18" charset="0"/>
-              <a:cs typeface="Times New Roman" panose="02020603050405020304" pitchFamily="18" charset="0"/>
-            </a:endParaRPr>
-          </a:p>
-          <a:p>
-            <a:pPr marL="0" marR="0" lvl="0" indent="0" algn="l" defTabSz="914400" rtl="0" eaLnBrk="0" fontAlgn="base" latinLnBrk="0" hangingPunct="0">
-              <a:lnSpc>
-                <a:spcPct val="100000"/>
-              </a:lnSpc>
-              <a:spcBef>
-                <a:spcPct val="0"/>
-              </a:spcBef>
-              <a:spcAft>
-                <a:spcPct val="0"/>
-              </a:spcAft>
-              <a:buClrTx/>
-              <a:buSzTx/>
-              <a:buFontTx/>
-              <a:buChar char="•"/>
-              <a:tabLst/>
-            </a:pPr>
-            <a:r>
-              <a:rPr kumimoji="0" lang="de-DE" altLang="de-DE" sz="1200" b="0" i="0" u="none" strike="noStrike" cap="none" normalizeH="0" baseline="0" dirty="0">
-                <a:ln>
-                  <a:noFill/>
-                </a:ln>
-                <a:solidFill>
-                  <a:srgbClr val="000000"/>
-                </a:solidFill>
-                <a:effectLst/>
-                <a:latin typeface="gitbook-content-font"/>
-                <a:cs typeface="Times New Roman" panose="02020603050405020304" pitchFamily="18" charset="0"/>
-              </a:rPr>
-              <a:t>Art der </a:t>
-            </a:r>
-            <a:r>
-              <a:rPr kumimoji="0" lang="de-DE" altLang="de-DE" sz="1200" b="0" i="0" u="none" strike="noStrike" cap="none" normalizeH="0" baseline="0" dirty="0" err="1">
-                <a:ln>
-                  <a:noFill/>
-                </a:ln>
-                <a:solidFill>
-                  <a:srgbClr val="000000"/>
-                </a:solidFill>
-                <a:effectLst/>
-                <a:latin typeface="gitbook-content-font"/>
-                <a:cs typeface="Times New Roman" panose="02020603050405020304" pitchFamily="18" charset="0"/>
-              </a:rPr>
-              <a:t>Missing</a:t>
-            </a:r>
-            <a:r>
-              <a:rPr kumimoji="0" lang="de-DE" altLang="de-DE" sz="1200" b="0" i="0" u="none" strike="noStrike" cap="none" normalizeH="0" baseline="0" dirty="0">
-                <a:ln>
-                  <a:noFill/>
-                </a:ln>
-                <a:solidFill>
-                  <a:srgbClr val="000000"/>
-                </a:solidFill>
-                <a:effectLst/>
-                <a:latin typeface="gitbook-content-font"/>
-                <a:cs typeface="Times New Roman" panose="02020603050405020304" pitchFamily="18" charset="0"/>
-              </a:rPr>
-              <a:t> Value Imputation</a:t>
-            </a:r>
-            <a:endParaRPr kumimoji="0" lang="de-DE" altLang="de-DE" sz="800" b="0" i="0" u="none" strike="noStrike" cap="none" normalizeH="0" baseline="0" dirty="0">
-              <a:ln>
-                <a:noFill/>
-              </a:ln>
-              <a:solidFill>
-                <a:srgbClr val="000000"/>
-              </a:solidFill>
-              <a:effectLst/>
-              <a:latin typeface="Times New Roman" panose="02020603050405020304" pitchFamily="18" charset="0"/>
-              <a:cs typeface="Times New Roman" panose="02020603050405020304" pitchFamily="18" charset="0"/>
-            </a:endParaRPr>
-          </a:p>
-          <a:p>
-            <a:pPr marL="0" marR="0" lvl="0" indent="0" algn="l" defTabSz="914400" rtl="0" eaLnBrk="0" fontAlgn="base" latinLnBrk="0" hangingPunct="0">
-              <a:lnSpc>
-                <a:spcPct val="100000"/>
-              </a:lnSpc>
-              <a:spcBef>
-                <a:spcPct val="0"/>
-              </a:spcBef>
-              <a:spcAft>
-                <a:spcPct val="0"/>
-              </a:spcAft>
-              <a:buClrTx/>
-              <a:buSzTx/>
-              <a:buFontTx/>
-              <a:buChar char="•"/>
-              <a:tabLst/>
-            </a:pPr>
-            <a:r>
-              <a:rPr kumimoji="0" lang="de-DE" altLang="de-DE" sz="1200" b="0" i="0" u="none" strike="noStrike" cap="none" normalizeH="0" baseline="0" dirty="0">
-                <a:ln>
-                  <a:noFill/>
-                </a:ln>
-                <a:solidFill>
-                  <a:srgbClr val="000000"/>
-                </a:solidFill>
-                <a:effectLst/>
-                <a:latin typeface="gitbook-content-font"/>
-                <a:cs typeface="Times New Roman" panose="02020603050405020304" pitchFamily="18" charset="0"/>
-              </a:rPr>
-              <a:t>Optimierung des neuronalen Netzes:</a:t>
-            </a:r>
-            <a:endParaRPr kumimoji="0" lang="de-DE" altLang="de-DE" sz="800" b="0" i="0" u="none" strike="noStrike" cap="none" normalizeH="0" baseline="0" dirty="0">
-              <a:ln>
-                <a:noFill/>
-              </a:ln>
-              <a:solidFill>
-                <a:srgbClr val="000000"/>
-              </a:solidFill>
-              <a:effectLst/>
-              <a:latin typeface="Times New Roman" panose="02020603050405020304" pitchFamily="18" charset="0"/>
-              <a:cs typeface="Times New Roman" panose="02020603050405020304" pitchFamily="18" charset="0"/>
-            </a:endParaRPr>
-          </a:p>
-          <a:p>
-            <a:pPr marL="457200" marR="0" lvl="1" indent="0" algn="l" defTabSz="914400" rtl="0" eaLnBrk="0" fontAlgn="base" latinLnBrk="0" hangingPunct="0">
-              <a:lnSpc>
-                <a:spcPct val="100000"/>
-              </a:lnSpc>
-              <a:spcBef>
-                <a:spcPct val="0"/>
-              </a:spcBef>
-              <a:spcAft>
-                <a:spcPct val="0"/>
-              </a:spcAft>
-              <a:buClrTx/>
-              <a:buSzTx/>
-              <a:buFontTx/>
-              <a:buChar char="•"/>
-              <a:tabLst/>
-            </a:pPr>
-            <a:r>
-              <a:rPr kumimoji="0" lang="de-DE" altLang="de-DE" sz="1200" b="0" i="0" u="none" strike="noStrike" cap="none" normalizeH="0" baseline="0" dirty="0">
-                <a:ln>
-                  <a:noFill/>
-                </a:ln>
-                <a:solidFill>
-                  <a:srgbClr val="000000"/>
-                </a:solidFill>
-                <a:effectLst/>
-                <a:latin typeface="gitbook-content-font"/>
-                <a:cs typeface="Times New Roman" panose="02020603050405020304" pitchFamily="18" charset="0"/>
-              </a:rPr>
-              <a:t>Source Code zur Definition des neuronalen Netzes</a:t>
-            </a:r>
-            <a:endParaRPr kumimoji="0" lang="de-DE" altLang="de-DE" sz="800" b="0" i="0" u="none" strike="noStrike" cap="none" normalizeH="0" baseline="0" dirty="0">
-              <a:ln>
-                <a:noFill/>
-              </a:ln>
-              <a:solidFill>
-                <a:srgbClr val="000000"/>
-              </a:solidFill>
-              <a:effectLst/>
-              <a:latin typeface="Times New Roman" panose="02020603050405020304" pitchFamily="18" charset="0"/>
-              <a:cs typeface="Times New Roman" panose="02020603050405020304" pitchFamily="18" charset="0"/>
-            </a:endParaRPr>
-          </a:p>
-          <a:p>
-            <a:pPr marL="457200" marR="0" lvl="1" indent="0" algn="l" defTabSz="914400" rtl="0" eaLnBrk="0" fontAlgn="base" latinLnBrk="0" hangingPunct="0">
-              <a:lnSpc>
-                <a:spcPct val="100000"/>
-              </a:lnSpc>
-              <a:spcBef>
-                <a:spcPct val="0"/>
-              </a:spcBef>
-              <a:spcAft>
-                <a:spcPct val="0"/>
-              </a:spcAft>
-              <a:buClrTx/>
-              <a:buSzTx/>
-              <a:buFontTx/>
-              <a:buChar char="•"/>
-              <a:tabLst/>
-            </a:pPr>
-            <a:r>
-              <a:rPr kumimoji="0" lang="de-DE" altLang="de-DE" sz="1200" b="0" i="0" u="none" strike="noStrike" cap="none" normalizeH="0" baseline="0" dirty="0">
-                <a:ln>
-                  <a:noFill/>
-                </a:ln>
-                <a:solidFill>
-                  <a:srgbClr val="000000"/>
-                </a:solidFill>
-                <a:effectLst/>
-                <a:latin typeface="gitbook-content-font"/>
-                <a:cs typeface="Times New Roman" panose="02020603050405020304" pitchFamily="18" charset="0"/>
-              </a:rPr>
-              <a:t>Darstellung der Loss-Funktionen für Trainings- und Validierungsdatensatz</a:t>
-            </a:r>
-            <a:endParaRPr kumimoji="0" lang="de-DE" altLang="de-DE" sz="800" b="0" i="0" u="none" strike="noStrike" cap="none" normalizeH="0" baseline="0" dirty="0">
-              <a:ln>
-                <a:noFill/>
-              </a:ln>
-              <a:solidFill>
-                <a:srgbClr val="000000"/>
-              </a:solidFill>
-              <a:effectLst/>
-              <a:latin typeface="Times New Roman" panose="02020603050405020304" pitchFamily="18" charset="0"/>
-              <a:cs typeface="Times New Roman" panose="02020603050405020304" pitchFamily="18" charset="0"/>
-            </a:endParaRPr>
-          </a:p>
-          <a:p>
-            <a:pPr marL="457200" marR="0" lvl="1" indent="0" algn="l" defTabSz="914400" rtl="0" eaLnBrk="0" fontAlgn="base" latinLnBrk="0" hangingPunct="0">
-              <a:lnSpc>
-                <a:spcPct val="100000"/>
-              </a:lnSpc>
-              <a:spcBef>
-                <a:spcPct val="0"/>
-              </a:spcBef>
-              <a:spcAft>
-                <a:spcPct val="0"/>
-              </a:spcAft>
-              <a:buClrTx/>
-              <a:buSzTx/>
-              <a:buFontTx/>
-              <a:buChar char="•"/>
-              <a:tabLst/>
-            </a:pPr>
-            <a:r>
-              <a:rPr kumimoji="0" lang="de-DE" altLang="de-DE" sz="1200" b="0" i="0" u="none" strike="noStrike" cap="none" normalizeH="0" baseline="0" dirty="0">
-                <a:ln>
-                  <a:noFill/>
-                </a:ln>
-                <a:solidFill>
-                  <a:srgbClr val="000000"/>
-                </a:solidFill>
-                <a:effectLst/>
-                <a:latin typeface="gitbook-content-font"/>
-                <a:cs typeface="Times New Roman" panose="02020603050405020304" pitchFamily="18" charset="0"/>
-              </a:rPr>
-              <a:t>MAPEs für den Validierungsdatensatz insgesamt und für jede Warengruppe einzeln</a:t>
-            </a:r>
-            <a:endParaRPr kumimoji="0" lang="de-DE" altLang="de-DE" sz="800" b="0" i="0" u="none" strike="noStrike" cap="none" normalizeH="0" baseline="0" dirty="0">
-              <a:ln>
-                <a:noFill/>
-              </a:ln>
-              <a:solidFill>
-                <a:srgbClr val="000000"/>
-              </a:solidFill>
-              <a:effectLst/>
-              <a:latin typeface="Times New Roman" panose="02020603050405020304" pitchFamily="18" charset="0"/>
-              <a:cs typeface="Times New Roman" panose="02020603050405020304" pitchFamily="18" charset="0"/>
-            </a:endParaRPr>
-          </a:p>
-          <a:p>
-            <a:pPr marL="0" marR="0" lvl="0" indent="0" algn="l" defTabSz="914400" rtl="0" eaLnBrk="0" fontAlgn="base" latinLnBrk="0" hangingPunct="0">
-              <a:lnSpc>
-                <a:spcPct val="100000"/>
-              </a:lnSpc>
-              <a:spcBef>
-                <a:spcPct val="0"/>
-              </a:spcBef>
-              <a:spcAft>
-                <a:spcPct val="0"/>
-              </a:spcAft>
-              <a:buClrTx/>
-              <a:buSzTx/>
-              <a:buFontTx/>
-              <a:buChar char="•"/>
-              <a:tabLst/>
-            </a:pPr>
-            <a:r>
-              <a:rPr kumimoji="0" lang="de-DE" altLang="de-DE" sz="1200" b="0" i="0" u="none" strike="noStrike" cap="none" normalizeH="0" baseline="0" dirty="0">
-                <a:ln>
-                  <a:noFill/>
-                </a:ln>
-                <a:solidFill>
-                  <a:srgbClr val="000000"/>
-                </a:solidFill>
-                <a:effectLst/>
-                <a:latin typeface="gitbook-content-font"/>
-                <a:cs typeface="Times New Roman" panose="02020603050405020304" pitchFamily="18" charset="0"/>
-              </a:rPr>
-              <a:t>„</a:t>
-            </a:r>
-            <a:r>
-              <a:rPr kumimoji="0" lang="de-DE" altLang="de-DE" sz="1200" b="0" i="0" u="none" strike="noStrike" cap="none" normalizeH="0" baseline="0" dirty="0" err="1">
-                <a:ln>
-                  <a:noFill/>
-                </a:ln>
-                <a:solidFill>
-                  <a:srgbClr val="000000"/>
-                </a:solidFill>
-                <a:effectLst/>
-                <a:latin typeface="gitbook-content-font"/>
-                <a:cs typeface="Times New Roman" panose="02020603050405020304" pitchFamily="18" charset="0"/>
-              </a:rPr>
-              <a:t>Worst</a:t>
-            </a:r>
-            <a:r>
-              <a:rPr kumimoji="0" lang="de-DE" altLang="de-DE" sz="1200" b="0" i="0" u="none" strike="noStrike" cap="none" normalizeH="0" baseline="0" dirty="0">
-                <a:ln>
-                  <a:noFill/>
-                </a:ln>
-                <a:solidFill>
-                  <a:srgbClr val="000000"/>
-                </a:solidFill>
-                <a:effectLst/>
-                <a:latin typeface="gitbook-content-font"/>
-                <a:cs typeface="Times New Roman" panose="02020603050405020304" pitchFamily="18" charset="0"/>
-              </a:rPr>
-              <a:t> Fail“</a:t>
-            </a:r>
-            <a:endParaRPr kumimoji="0" lang="de-DE" altLang="de-DE" sz="800" b="0" i="0" u="none" strike="noStrike" cap="none" normalizeH="0" baseline="0" dirty="0">
-              <a:ln>
-                <a:noFill/>
-              </a:ln>
-              <a:solidFill>
-                <a:srgbClr val="000000"/>
-              </a:solidFill>
-              <a:effectLst/>
-              <a:latin typeface="Times New Roman" panose="02020603050405020304" pitchFamily="18" charset="0"/>
-              <a:cs typeface="Times New Roman" panose="02020603050405020304" pitchFamily="18" charset="0"/>
-            </a:endParaRPr>
-          </a:p>
-          <a:p>
-            <a:pPr marL="0" marR="0" lvl="0" indent="0" algn="l" defTabSz="914400" rtl="0" eaLnBrk="0" fontAlgn="base" latinLnBrk="0" hangingPunct="0">
-              <a:lnSpc>
-                <a:spcPct val="100000"/>
-              </a:lnSpc>
-              <a:spcBef>
-                <a:spcPct val="0"/>
-              </a:spcBef>
-              <a:spcAft>
-                <a:spcPct val="0"/>
-              </a:spcAft>
-              <a:buClrTx/>
-              <a:buSzTx/>
-              <a:buFontTx/>
-              <a:buNone/>
-              <a:tabLst/>
-            </a:pPr>
-            <a:r>
-              <a:rPr kumimoji="0" lang="de-DE" altLang="de-DE" sz="1200" b="0" i="0" u="none" strike="noStrike" cap="none" normalizeH="0" baseline="0" dirty="0">
-                <a:ln>
-                  <a:noFill/>
-                </a:ln>
-                <a:solidFill>
-                  <a:srgbClr val="000000"/>
-                </a:solidFill>
-                <a:effectLst/>
-                <a:latin typeface="gitbook-content-font"/>
-                <a:cs typeface="Times New Roman" panose="02020603050405020304" pitchFamily="18" charset="0"/>
-              </a:rPr>
-              <a:t>Die Dokumentation des Leistungsnachweises erfolgt über das von Euch erstellte Repository, das wie in den READMEs angegeben vervollständigt werden muss. </a:t>
-            </a:r>
-            <a:br>
-              <a:rPr kumimoji="0" lang="de-DE" altLang="de-DE" sz="1200" b="0" i="0" u="none" strike="noStrike" cap="none" normalizeH="0" baseline="0" dirty="0">
-                <a:ln>
-                  <a:noFill/>
-                </a:ln>
-                <a:solidFill>
-                  <a:srgbClr val="000000"/>
-                </a:solidFill>
-                <a:effectLst/>
-                <a:latin typeface="gitbook-content-font"/>
-                <a:cs typeface="Times New Roman" panose="02020603050405020304" pitchFamily="18" charset="0"/>
-              </a:rPr>
-            </a:br>
-            <a:r>
-              <a:rPr kumimoji="0" lang="de-DE" altLang="de-DE" sz="1200" b="0" i="0" u="none" strike="noStrike" cap="none" normalizeH="0" baseline="0" dirty="0">
-                <a:ln>
-                  <a:noFill/>
-                </a:ln>
-                <a:solidFill>
-                  <a:srgbClr val="000000"/>
-                </a:solidFill>
-                <a:effectLst/>
-                <a:latin typeface="gitbook-content-font"/>
-                <a:cs typeface="Times New Roman" panose="02020603050405020304" pitchFamily="18" charset="0"/>
-              </a:rPr>
-              <a:t>Anschließend muss </a:t>
-            </a:r>
-            <a:r>
-              <a:rPr kumimoji="0" lang="de-DE" altLang="de-DE" sz="1200" b="1" i="1" u="none" strike="noStrike" cap="none" normalizeH="0" baseline="0" dirty="0">
-                <a:ln>
-                  <a:noFill/>
-                </a:ln>
-                <a:solidFill>
-                  <a:srgbClr val="000000"/>
-                </a:solidFill>
-                <a:effectLst/>
-                <a:latin typeface="gitbook-content-font"/>
-                <a:cs typeface="Times New Roman" panose="02020603050405020304" pitchFamily="18" charset="0"/>
-              </a:rPr>
-              <a:t>ein</a:t>
-            </a:r>
-            <a:r>
-              <a:rPr kumimoji="0" lang="de-DE" altLang="de-DE" sz="1200" b="0" i="0" u="none" strike="noStrike" cap="none" normalizeH="0" baseline="0" dirty="0">
-                <a:ln>
-                  <a:noFill/>
-                </a:ln>
-                <a:solidFill>
-                  <a:srgbClr val="000000"/>
-                </a:solidFill>
-                <a:effectLst/>
-                <a:latin typeface="gitbook-content-font"/>
-                <a:cs typeface="Times New Roman" panose="02020603050405020304" pitchFamily="18" charset="0"/>
-              </a:rPr>
-              <a:t> Team-Mitglied das README des Hauptverzeichnisses wie </a:t>
-            </a:r>
-            <a:r>
-              <a:rPr kumimoji="0" lang="de-DE" altLang="de-DE" sz="1200" b="0" i="0" u="none" strike="noStrike" cap="none" normalizeH="0" baseline="0" dirty="0">
-                <a:ln>
-                  <a:noFill/>
-                </a:ln>
-                <a:solidFill>
-                  <a:srgbClr val="346DDB"/>
-                </a:solidFill>
-                <a:effectLst/>
-                <a:latin typeface="gitbook-content-font"/>
-                <a:cs typeface="Times New Roman" panose="02020603050405020304" pitchFamily="18" charset="0"/>
-                <a:hlinkClick r:id="rId2"/>
-              </a:rPr>
-              <a:t>hier</a:t>
-            </a:r>
-            <a:r>
-              <a:rPr kumimoji="0" lang="de-DE" altLang="de-DE" sz="1200" b="0" i="0" u="none" strike="noStrike" cap="none" normalizeH="0" baseline="0" dirty="0">
-                <a:ln>
-                  <a:noFill/>
-                </a:ln>
-                <a:solidFill>
-                  <a:srgbClr val="000000"/>
-                </a:solidFill>
-                <a:effectLst/>
-                <a:latin typeface="gitbook-content-font"/>
-                <a:cs typeface="Times New Roman" panose="02020603050405020304" pitchFamily="18" charset="0"/>
-              </a:rPr>
-              <a:t> beschrieben in der </a:t>
-            </a:r>
-            <a:r>
-              <a:rPr kumimoji="0" lang="de-DE" altLang="de-DE" sz="1200" b="0" i="0" u="none" strike="noStrike" cap="none" normalizeH="0" baseline="0" dirty="0" err="1">
-                <a:ln>
-                  <a:noFill/>
-                </a:ln>
-                <a:solidFill>
-                  <a:srgbClr val="000000"/>
-                </a:solidFill>
-                <a:effectLst/>
-                <a:latin typeface="gitbook-content-font"/>
-                <a:cs typeface="Times New Roman" panose="02020603050405020304" pitchFamily="18" charset="0"/>
-              </a:rPr>
-              <a:t>EduHub</a:t>
-            </a:r>
-            <a:r>
-              <a:rPr kumimoji="0" lang="de-DE" altLang="de-DE" sz="1200" b="0" i="0" u="none" strike="noStrike" cap="none" normalizeH="0" baseline="0" dirty="0">
-                <a:ln>
-                  <a:noFill/>
-                </a:ln>
-                <a:solidFill>
-                  <a:srgbClr val="000000"/>
-                </a:solidFill>
-                <a:effectLst/>
-                <a:latin typeface="gitbook-content-font"/>
-                <a:cs typeface="Times New Roman" panose="02020603050405020304" pitchFamily="18" charset="0"/>
-              </a:rPr>
-              <a:t>-Plattform hochladen.</a:t>
-            </a:r>
-          </a:p>
-          <a:p>
-            <a:pPr marL="0" marR="0" lvl="0" indent="0" algn="l" defTabSz="914400" rtl="0" eaLnBrk="0" fontAlgn="base" latinLnBrk="0" hangingPunct="0">
-              <a:lnSpc>
-                <a:spcPct val="100000"/>
-              </a:lnSpc>
-              <a:spcBef>
-                <a:spcPct val="0"/>
-              </a:spcBef>
-              <a:spcAft>
-                <a:spcPct val="0"/>
-              </a:spcAft>
-              <a:buClrTx/>
-              <a:buSzTx/>
-              <a:buFontTx/>
-              <a:buNone/>
-              <a:tabLst/>
-            </a:pPr>
-            <a:r>
-              <a:rPr lang="de-DE" altLang="de-DE" sz="1200" dirty="0">
-                <a:solidFill>
-                  <a:srgbClr val="000000"/>
-                </a:solidFill>
-                <a:latin typeface="gitbook-content-font"/>
-                <a:cs typeface="Times New Roman" panose="02020603050405020304" pitchFamily="18" charset="0"/>
-              </a:rPr>
-              <a:t>Die Präsentation </a:t>
-            </a:r>
-            <a:r>
-              <a:rPr lang="de-DE" altLang="de-DE" sz="1200" i="1" dirty="0">
-                <a:solidFill>
-                  <a:srgbClr val="000000"/>
-                </a:solidFill>
-                <a:latin typeface="gitbook-content-font"/>
-                <a:cs typeface="Times New Roman" panose="02020603050405020304" pitchFamily="18" charset="0"/>
-              </a:rPr>
-              <a:t>unter 4_Presentation </a:t>
-            </a:r>
-            <a:r>
-              <a:rPr lang="de-DE" altLang="de-DE" sz="1200" dirty="0">
-                <a:solidFill>
-                  <a:srgbClr val="000000"/>
-                </a:solidFill>
-                <a:latin typeface="gitbook-content-font"/>
-                <a:cs typeface="Times New Roman" panose="02020603050405020304" pitchFamily="18" charset="0"/>
-              </a:rPr>
-              <a:t>speichern</a:t>
-            </a:r>
-            <a:endParaRPr kumimoji="0" lang="de-DE" altLang="de-DE" sz="1800" b="0" i="0" u="none" strike="noStrike" cap="none" normalizeH="0" baseline="0" dirty="0">
-              <a:ln>
-                <a:noFill/>
-              </a:ln>
-              <a:solidFill>
-                <a:schemeClr val="tx1"/>
-              </a:solidFill>
-              <a:effectLst/>
-              <a:latin typeface="Arial" panose="020B0604020202020204" pitchFamily="34" charset="0"/>
-            </a:endParaRPr>
-          </a:p>
-        </p:txBody>
-      </p:sp>
-    </p:spTree>
-    <p:extLst>
-      <p:ext uri="{BB962C8B-B14F-4D97-AF65-F5344CB8AC3E}">
-        <p14:creationId xmlns:p14="http://schemas.microsoft.com/office/powerpoint/2010/main" val="2477690108"/>
-      </p:ext>
-    </p:extLst>
-  </p:cSld>
-  <p:clrMapOvr>
-    <a:masterClrMapping/>
-  </p:clrMapOvr>
-</p:sld>
-</file>
-
-<file path=ppt/slides/slide16.xml><?xml version="1.0" encoding="utf-8"?>
-<p:sld xmlns:a="http://schemas.openxmlformats.org/drawingml/2006/main" xmlns:r="http://schemas.openxmlformats.org/officeDocument/2006/relationships" xmlns:p="http://schemas.openxmlformats.org/presentationml/2006/main" show="0">
-  <p:cSld>
-    <p:spTree>
-      <p:nvGrpSpPr>
-        <p:cNvPr id="1" name=""/>
-        <p:cNvGrpSpPr/>
-        <p:nvPr/>
-      </p:nvGrpSpPr>
-      <p:grpSpPr>
-        <a:xfrm>
-          <a:off x="0" y="0"/>
-          <a:ext cx="0" cy="0"/>
-          <a:chOff x="0" y="0"/>
-          <a:chExt cx="0" cy="0"/>
-        </a:xfrm>
-      </p:grpSpPr>
-      <p:sp>
-        <p:nvSpPr>
-          <p:cNvPr id="2" name="Titel 1">
-            <a:extLst>
-              <a:ext uri="{FF2B5EF4-FFF2-40B4-BE49-F238E27FC236}">
-                <a16:creationId xmlns:a16="http://schemas.microsoft.com/office/drawing/2014/main" id="{99C106EC-3DB3-D8F1-EB55-2B80C33CF2E9}"/>
-              </a:ext>
-            </a:extLst>
-          </p:cNvPr>
-          <p:cNvSpPr>
-            <a:spLocks noGrp="1"/>
-          </p:cNvSpPr>
-          <p:nvPr>
-            <p:ph type="title"/>
-          </p:nvPr>
-        </p:nvSpPr>
-        <p:spPr/>
-        <p:txBody>
-          <a:bodyPr/>
-          <a:lstStyle/>
-          <a:p>
-            <a:r>
-              <a:rPr lang="de-DE" dirty="0" err="1"/>
-              <a:t>To</a:t>
-            </a:r>
-            <a:r>
-              <a:rPr lang="de-DE" dirty="0"/>
-              <a:t> Do: Präsentation</a:t>
-            </a:r>
-          </a:p>
-        </p:txBody>
-      </p:sp>
-      <p:sp>
-        <p:nvSpPr>
-          <p:cNvPr id="3" name="Inhaltsplatzhalter 2">
-            <a:extLst>
-              <a:ext uri="{FF2B5EF4-FFF2-40B4-BE49-F238E27FC236}">
-                <a16:creationId xmlns:a16="http://schemas.microsoft.com/office/drawing/2014/main" id="{67FB2F16-B54B-151C-D7A4-C8EDAAED596E}"/>
-              </a:ext>
-            </a:extLst>
-          </p:cNvPr>
-          <p:cNvSpPr>
-            <a:spLocks noGrp="1"/>
-          </p:cNvSpPr>
-          <p:nvPr>
-            <p:ph idx="1"/>
-          </p:nvPr>
-        </p:nvSpPr>
-        <p:spPr/>
-        <p:txBody>
-          <a:bodyPr>
-            <a:normAutofit fontScale="32500" lnSpcReduction="20000"/>
-          </a:bodyPr>
-          <a:lstStyle/>
-          <a:p>
-            <a:endParaRPr lang="de-DE" dirty="0"/>
-          </a:p>
-          <a:p>
-            <a:r>
-              <a:rPr lang="de-DE" sz="4400" dirty="0"/>
-              <a:t>Struktur</a:t>
-            </a:r>
-          </a:p>
-          <a:p>
-            <a:r>
-              <a:rPr lang="de-DE" sz="4400" dirty="0"/>
-              <a:t>Ihre Präsentation sollte grundsätzlich folgendem Aufbau folgen:</a:t>
-            </a:r>
-          </a:p>
-          <a:p>
-            <a:r>
-              <a:rPr lang="de-DE" sz="4400" dirty="0"/>
-              <a:t>Titelfolie: Projektname, Gruppennummer, Namen des Projektteams, Datum und alle anderen relevanten Informationen.</a:t>
-            </a:r>
-          </a:p>
-          <a:p>
-            <a:r>
-              <a:rPr lang="de-DE" sz="4400" dirty="0"/>
-              <a:t>Datensatzmerkmale: 2–3 Folien.</a:t>
-            </a:r>
-          </a:p>
-          <a:p>
-            <a:r>
-              <a:rPr lang="de-DE" sz="4400" dirty="0"/>
-              <a:t>Basismodell: 1 Folie.</a:t>
-            </a:r>
-          </a:p>
-          <a:p>
-            <a:r>
-              <a:rPr lang="de-DE" sz="4400" dirty="0"/>
-              <a:t>Modelldefinition und -bewertung: 2-3 Folien.</a:t>
-            </a:r>
-          </a:p>
-          <a:p>
-            <a:r>
-              <a:rPr lang="de-DE" sz="4400" dirty="0"/>
-              <a:t>Ergebnisse: 1 Folie.</a:t>
-            </a:r>
-          </a:p>
-          <a:p>
-            <a:r>
-              <a:rPr lang="de-DE" sz="4400" dirty="0"/>
-              <a:t>Herausforderungen und Fehler: 1 Folie.</a:t>
-            </a:r>
-          </a:p>
-          <a:p>
-            <a:r>
-              <a:rPr lang="de-DE" sz="4400" dirty="0"/>
-              <a:t>Fragen und Antworten: Letzte Folie mit Angabe des Fragen-und-Antwort-Teils.</a:t>
-            </a:r>
-          </a:p>
-          <a:p>
-            <a:endParaRPr lang="de-DE" dirty="0"/>
-          </a:p>
-        </p:txBody>
-      </p:sp>
-    </p:spTree>
-    <p:extLst>
-      <p:ext uri="{BB962C8B-B14F-4D97-AF65-F5344CB8AC3E}">
-        <p14:creationId xmlns:p14="http://schemas.microsoft.com/office/powerpoint/2010/main" val="1127861475"/>
       </p:ext>
     </p:extLst>
   </p:cSld>
@@ -8027,7 +6708,14 @@
           <a:p>
             <a:r>
               <a:rPr lang="de-DE" dirty="0"/>
-              <a:t>Unsere selbsterstellten Variablen</a:t>
+              <a:t>Unsere selbsterstellten Variablen:</a:t>
+            </a:r>
+            <a:br>
+              <a:rPr lang="de-DE" dirty="0"/>
+            </a:br>
+            <a:r>
+              <a:rPr lang="de-DE" dirty="0"/>
+              <a:t>Jahreszeit und Ferien</a:t>
             </a:r>
           </a:p>
         </p:txBody>
